--- a/Design/UI.pptx
+++ b/Design/UI.pptx
@@ -7,6 +7,9 @@
   <p:sldIdLst>
     <p:sldId id="256" r:id="rId3"/>
     <p:sldId id="259" r:id="rId4"/>
+    <p:sldId id="261" r:id="rId5"/>
+    <p:sldId id="262" r:id="rId6"/>
+    <p:sldId id="263" r:id="rId7"/>
   </p:sldIdLst>
   <p:sldSz cx="12192000" cy="6858000"/>
   <p:notesSz cx="6858000" cy="9144000"/>
@@ -3130,7 +3133,7 @@
                 <a:latin typeface="+mj-ea"/>
                 <a:ea typeface="+mj-ea"/>
               </a:rPr>
-              <a:t>Projects</a:t>
+              <a:t>Assets</a:t>
             </a:r>
             <a:endParaRPr lang="en-US" altLang="zh-CN" sz="1000">
               <a:latin typeface="+mj-ea"/>
@@ -3183,7 +3186,7 @@
                 <a:latin typeface="+mj-ea"/>
                 <a:ea typeface="+mj-ea"/>
               </a:rPr>
-              <a:t>Assets</a:t>
+              <a:t>Design</a:t>
             </a:r>
             <a:endParaRPr lang="en-US" altLang="zh-CN" sz="1000">
               <a:latin typeface="+mj-ea"/>
@@ -3235,8 +3238,9 @@
               <a:rPr lang="en-US" altLang="zh-CN" sz="1000">
                 <a:latin typeface="+mj-ea"/>
                 <a:ea typeface="+mj-ea"/>
+                <a:sym typeface="+mn-ea"/>
               </a:rPr>
-              <a:t>Design</a:t>
+              <a:t>Tasks</a:t>
             </a:r>
             <a:endParaRPr lang="en-US" altLang="zh-CN" sz="1000">
               <a:latin typeface="+mj-ea"/>
@@ -3438,7 +3442,7 @@
         </p:nvSpPr>
         <p:spPr>
           <a:xfrm>
-            <a:off x="2489200" y="1859280"/>
+            <a:off x="2498090" y="2378075"/>
             <a:ext cx="1084580" cy="1186815"/>
           </a:xfrm>
           <a:prstGeom prst="rect">
@@ -3489,7 +3493,7 @@
         </p:nvSpPr>
         <p:spPr>
           <a:xfrm>
-            <a:off x="3945890" y="1859280"/>
+            <a:off x="3954780" y="2378075"/>
             <a:ext cx="1084580" cy="1186815"/>
           </a:xfrm>
           <a:prstGeom prst="rect">
@@ -3536,7 +3540,7 @@
         </p:nvSpPr>
         <p:spPr>
           <a:xfrm>
-            <a:off x="5378450" y="1859280"/>
+            <a:off x="5387340" y="2378075"/>
             <a:ext cx="1084580" cy="1186815"/>
           </a:xfrm>
           <a:prstGeom prst="rect">
@@ -3583,7 +3587,7 @@
         </p:nvSpPr>
         <p:spPr>
           <a:xfrm>
-            <a:off x="6811010" y="1859280"/>
+            <a:off x="6819900" y="2378075"/>
             <a:ext cx="1084580" cy="1186815"/>
           </a:xfrm>
           <a:prstGeom prst="rect">
@@ -3630,7 +3634,7 @@
         </p:nvSpPr>
         <p:spPr>
           <a:xfrm>
-            <a:off x="8243570" y="1859280"/>
+            <a:off x="8252460" y="2378075"/>
             <a:ext cx="1084580" cy="1186815"/>
           </a:xfrm>
           <a:prstGeom prst="rect">
@@ -3725,7 +3729,7 @@
         </p:nvGrpSpPr>
         <p:grpSpPr>
           <a:xfrm>
-            <a:off x="2489200" y="1859280"/>
+            <a:off x="2395855" y="2186305"/>
             <a:ext cx="8272780" cy="1499235"/>
             <a:chOff x="3920" y="2928"/>
             <a:chExt cx="13028" cy="2361"/>
@@ -4336,7 +4340,7 @@
         </p:nvGrpSpPr>
         <p:grpSpPr>
           <a:xfrm>
-            <a:off x="2490470" y="3507740"/>
+            <a:off x="2395855" y="3842385"/>
             <a:ext cx="8272780" cy="1499235"/>
             <a:chOff x="3920" y="2928"/>
             <a:chExt cx="13028" cy="2361"/>
@@ -4947,8 +4951,8 @@
         </p:nvGrpSpPr>
         <p:grpSpPr>
           <a:xfrm>
-            <a:off x="2498090" y="5193665"/>
-            <a:ext cx="8272780" cy="912495"/>
+            <a:off x="2404745" y="5577205"/>
+            <a:ext cx="8272780" cy="528955"/>
             <a:chOff x="3920" y="2928"/>
             <a:chExt cx="13028" cy="1869"/>
           </a:xfrm>
@@ -5354,46 +5358,427 @@
           </p:txBody>
         </p:sp>
       </p:grpSp>
-      <p:sp>
-        <p:nvSpPr>
-          <p:cNvPr id="73" name="文本框 72"/>
-          <p:cNvSpPr txBox="1"/>
+      <p:pic>
+        <p:nvPicPr>
+          <p:cNvPr id="2" name="图片 1"/>
+          <p:cNvPicPr>
+            <a:picLocks noChangeAspect="1"/>
+          </p:cNvPicPr>
           <p:nvPr/>
-        </p:nvSpPr>
+        </p:nvPicPr>
+        <p:blipFill>
+          <a:blip r:embed="rId22"/>
+          <a:stretch>
+            <a:fillRect/>
+          </a:stretch>
+        </p:blipFill>
         <p:spPr>
           <a:xfrm>
-            <a:off x="9952990" y="1405255"/>
-            <a:ext cx="1038860" cy="261620"/>
+            <a:off x="7449185" y="1748155"/>
+            <a:ext cx="2558415" cy="294640"/>
           </a:xfrm>
           <a:prstGeom prst="rect">
             <a:avLst/>
           </a:prstGeom>
-          <a:solidFill>
-            <a:schemeClr val="accent3"/>
-          </a:solidFill>
         </p:spPr>
-        <p:txBody>
-          <a:bodyPr wrap="square" rtlCol="0">
-            <a:noAutofit/>
-          </a:bodyPr>
-          <a:p>
-            <a:pPr algn="ctr"/>
-            <a:r>
-              <a:rPr lang="en-US" altLang="zh-CN" sz="1000">
+      </p:pic>
+      <p:grpSp>
+        <p:nvGrpSpPr>
+          <p:cNvPr id="6" name="组合 5"/>
+          <p:cNvGrpSpPr/>
+          <p:nvPr/>
+        </p:nvGrpSpPr>
+        <p:grpSpPr>
+          <a:xfrm>
+            <a:off x="10168255" y="1765300"/>
+            <a:ext cx="693420" cy="276860"/>
+            <a:chOff x="16105" y="2684"/>
+            <a:chExt cx="1092" cy="436"/>
+          </a:xfrm>
+        </p:grpSpPr>
+        <p:pic>
+          <p:nvPicPr>
+            <p:cNvPr id="3" name="图片 2" descr="sort_by_attributes_a"/>
+            <p:cNvPicPr>
+              <a:picLocks noChangeAspect="1"/>
+            </p:cNvPicPr>
+            <p:nvPr/>
+          </p:nvPicPr>
+          <p:blipFill>
+            <a:blip r:embed="rId23">
+              <a:extLst>
+                <a:ext uri="{96DAC541-7B7A-43D3-8B79-37D633B846F1}">
+                  <asvg:svgBlip xmlns:asvg="http://schemas.microsoft.com/office/drawing/2016/SVG/main" r:embed="rId24"/>
+                </a:ext>
+              </a:extLst>
+            </a:blip>
+            <a:stretch>
+              <a:fillRect/>
+            </a:stretch>
+          </p:blipFill>
+          <p:spPr>
+            <a:xfrm>
+              <a:off x="16105" y="2719"/>
+              <a:ext cx="287" cy="287"/>
+            </a:xfrm>
+            <a:prstGeom prst="rect">
+              <a:avLst/>
+            </a:prstGeom>
+          </p:spPr>
+        </p:pic>
+        <p:sp>
+          <p:nvSpPr>
+            <p:cNvPr id="4" name="文本框 3"/>
+            <p:cNvSpPr txBox="1"/>
+            <p:nvPr/>
+          </p:nvSpPr>
+          <p:spPr>
+            <a:xfrm>
+              <a:off x="16329" y="2684"/>
+              <a:ext cx="868" cy="437"/>
+            </a:xfrm>
+            <a:prstGeom prst="rect">
+              <a:avLst/>
+            </a:prstGeom>
+            <a:noFill/>
+          </p:spPr>
+          <p:txBody>
+            <a:bodyPr wrap="square" rtlCol="0">
+              <a:noAutofit/>
+            </a:bodyPr>
+            <a:p>
+              <a:pPr algn="ctr"/>
+              <a:r>
+                <a:rPr lang="en-US" altLang="zh-CN" sz="1000">
+                  <a:solidFill>
+                    <a:schemeClr val="bg1"/>
+                  </a:solidFill>
+                  <a:latin typeface="+mj-ea"/>
+                  <a:ea typeface="+mj-ea"/>
+                </a:rPr>
+                <a:t>T</a:t>
+              </a:r>
+              <a:r>
+                <a:rPr lang="en-US" altLang="zh-CN" sz="1000">
+                  <a:solidFill>
+                    <a:schemeClr val="bg1"/>
+                  </a:solidFill>
+                  <a:latin typeface="+mj-ea"/>
+                  <a:ea typeface="+mj-ea"/>
+                </a:rPr>
+                <a:t>IME</a:t>
+              </a:r>
+              <a:endParaRPr lang="en-US" altLang="zh-CN" sz="1000">
                 <a:solidFill>
                   <a:schemeClr val="bg1"/>
                 </a:solidFill>
-              </a:rPr>
-              <a:t>Share</a:t>
-            </a:r>
-            <a:endParaRPr lang="en-US" altLang="zh-CN" sz="1000">
-              <a:solidFill>
-                <a:schemeClr val="bg1"/>
-              </a:solidFill>
-            </a:endParaRPr>
-          </a:p>
-        </p:txBody>
-      </p:sp>
+                <a:latin typeface="+mj-ea"/>
+                <a:ea typeface="+mj-ea"/>
+              </a:endParaRPr>
+            </a:p>
+          </p:txBody>
+        </p:sp>
+      </p:grpSp>
+      <p:grpSp>
+        <p:nvGrpSpPr>
+          <p:cNvPr id="37" name="组合 36"/>
+          <p:cNvGrpSpPr/>
+          <p:nvPr/>
+        </p:nvGrpSpPr>
+        <p:grpSpPr>
+          <a:xfrm>
+            <a:off x="3981450" y="1774190"/>
+            <a:ext cx="1165225" cy="261620"/>
+            <a:chOff x="6270" y="2794"/>
+            <a:chExt cx="1835" cy="412"/>
+          </a:xfrm>
+        </p:grpSpPr>
+        <p:sp>
+          <p:nvSpPr>
+            <p:cNvPr id="40" name="文本框 39"/>
+            <p:cNvSpPr txBox="1"/>
+            <p:nvPr/>
+          </p:nvSpPr>
+          <p:spPr>
+            <a:xfrm>
+              <a:off x="6469" y="2794"/>
+              <a:ext cx="1636" cy="412"/>
+            </a:xfrm>
+            <a:prstGeom prst="rect">
+              <a:avLst/>
+            </a:prstGeom>
+            <a:noFill/>
+          </p:spPr>
+          <p:txBody>
+            <a:bodyPr wrap="square" rtlCol="0">
+              <a:noAutofit/>
+            </a:bodyPr>
+            <a:p>
+              <a:pPr algn="l"/>
+              <a:r>
+                <a:rPr lang="en-US" altLang="zh-CN" sz="1000">
+                  <a:solidFill>
+                    <a:schemeClr val="bg1"/>
+                  </a:solidFill>
+                </a:rPr>
+                <a:t>Wallpapers</a:t>
+              </a:r>
+              <a:endParaRPr lang="en-US" altLang="zh-CN" sz="1000">
+                <a:solidFill>
+                  <a:schemeClr val="bg1"/>
+                </a:solidFill>
+              </a:endParaRPr>
+            </a:p>
+          </p:txBody>
+        </p:sp>
+        <p:sp>
+          <p:nvSpPr>
+            <p:cNvPr id="65" name="椭圆 64"/>
+            <p:cNvSpPr/>
+            <p:nvPr/>
+          </p:nvSpPr>
+          <p:spPr>
+            <a:xfrm>
+              <a:off x="6270" y="2938"/>
+              <a:ext cx="113" cy="113"/>
+            </a:xfrm>
+            <a:prstGeom prst="ellipse">
+              <a:avLst/>
+            </a:prstGeom>
+            <a:solidFill>
+              <a:schemeClr val="bg2">
+                <a:lumMod val="75000"/>
+              </a:schemeClr>
+            </a:solidFill>
+            <a:ln>
+              <a:noFill/>
+            </a:ln>
+          </p:spPr>
+          <p:style>
+            <a:lnRef idx="2">
+              <a:schemeClr val="accent1">
+                <a:lumMod val="75000"/>
+              </a:schemeClr>
+            </a:lnRef>
+            <a:fillRef idx="1">
+              <a:schemeClr val="accent1"/>
+            </a:fillRef>
+            <a:effectRef idx="0">
+              <a:srgbClr val="FFFFFF"/>
+            </a:effectRef>
+            <a:fontRef idx="minor">
+              <a:schemeClr val="lt1"/>
+            </a:fontRef>
+          </p:style>
+          <p:txBody>
+            <a:bodyPr rtlCol="0" anchor="ctr"/>
+            <a:p>
+              <a:pPr algn="ctr"/>
+              <a:endParaRPr lang="zh-CN" altLang="en-US"/>
+            </a:p>
+          </p:txBody>
+        </p:sp>
+      </p:grpSp>
+      <p:grpSp>
+        <p:nvGrpSpPr>
+          <p:cNvPr id="66" name="组合 65"/>
+          <p:cNvGrpSpPr/>
+          <p:nvPr/>
+        </p:nvGrpSpPr>
+        <p:grpSpPr>
+          <a:xfrm>
+            <a:off x="2463165" y="1774190"/>
+            <a:ext cx="1110615" cy="261620"/>
+            <a:chOff x="4036" y="2794"/>
+            <a:chExt cx="1749" cy="412"/>
+          </a:xfrm>
+        </p:grpSpPr>
+        <p:sp>
+          <p:nvSpPr>
+            <p:cNvPr id="67" name="椭圆 66"/>
+            <p:cNvSpPr/>
+            <p:nvPr/>
+          </p:nvSpPr>
+          <p:spPr>
+            <a:xfrm>
+              <a:off x="4036" y="2949"/>
+              <a:ext cx="113" cy="113"/>
+            </a:xfrm>
+            <a:prstGeom prst="ellipse">
+              <a:avLst/>
+            </a:prstGeom>
+            <a:solidFill>
+              <a:schemeClr val="bg2">
+                <a:lumMod val="75000"/>
+              </a:schemeClr>
+            </a:solidFill>
+            <a:ln>
+              <a:noFill/>
+            </a:ln>
+          </p:spPr>
+          <p:style>
+            <a:lnRef idx="2">
+              <a:schemeClr val="accent1">
+                <a:lumMod val="75000"/>
+              </a:schemeClr>
+            </a:lnRef>
+            <a:fillRef idx="1">
+              <a:schemeClr val="accent1"/>
+            </a:fillRef>
+            <a:effectRef idx="0">
+              <a:srgbClr val="FFFFFF"/>
+            </a:effectRef>
+            <a:fontRef idx="minor">
+              <a:schemeClr val="lt1"/>
+            </a:fontRef>
+          </p:style>
+          <p:txBody>
+            <a:bodyPr rtlCol="0" anchor="ctr"/>
+            <a:p>
+              <a:pPr algn="ctr"/>
+              <a:endParaRPr lang="zh-CN" altLang="en-US"/>
+            </a:p>
+          </p:txBody>
+        </p:sp>
+        <p:sp>
+          <p:nvSpPr>
+            <p:cNvPr id="68" name="文本框 67"/>
+            <p:cNvSpPr txBox="1"/>
+            <p:nvPr/>
+          </p:nvSpPr>
+          <p:spPr>
+            <a:xfrm>
+              <a:off x="4149" y="2794"/>
+              <a:ext cx="1636" cy="412"/>
+            </a:xfrm>
+            <a:prstGeom prst="rect">
+              <a:avLst/>
+            </a:prstGeom>
+            <a:noFill/>
+          </p:spPr>
+          <p:txBody>
+            <a:bodyPr wrap="square" rtlCol="0">
+              <a:noAutofit/>
+            </a:bodyPr>
+            <a:p>
+              <a:pPr algn="l"/>
+              <a:r>
+                <a:rPr lang="en-US" altLang="zh-CN" sz="1000">
+                  <a:solidFill>
+                    <a:schemeClr val="bg1"/>
+                  </a:solidFill>
+                </a:rPr>
+                <a:t>Projects</a:t>
+              </a:r>
+              <a:endParaRPr lang="en-US" altLang="zh-CN" sz="1000">
+                <a:solidFill>
+                  <a:schemeClr val="bg1"/>
+                </a:solidFill>
+              </a:endParaRPr>
+            </a:p>
+          </p:txBody>
+        </p:sp>
+      </p:grpSp>
+      <p:grpSp>
+        <p:nvGrpSpPr>
+          <p:cNvPr id="69" name="组合 68"/>
+          <p:cNvGrpSpPr/>
+          <p:nvPr/>
+        </p:nvGrpSpPr>
+        <p:grpSpPr>
+          <a:xfrm>
+            <a:off x="3261360" y="1774190"/>
+            <a:ext cx="1137920" cy="261620"/>
+            <a:chOff x="5210" y="2794"/>
+            <a:chExt cx="1792" cy="412"/>
+          </a:xfrm>
+        </p:grpSpPr>
+        <p:sp>
+          <p:nvSpPr>
+            <p:cNvPr id="70" name="椭圆 69"/>
+            <p:cNvSpPr/>
+            <p:nvPr/>
+          </p:nvSpPr>
+          <p:spPr>
+            <a:xfrm>
+              <a:off x="5210" y="2949"/>
+              <a:ext cx="113" cy="113"/>
+            </a:xfrm>
+            <a:prstGeom prst="ellipse">
+              <a:avLst/>
+            </a:prstGeom>
+            <a:solidFill>
+              <a:schemeClr val="bg2">
+                <a:lumMod val="75000"/>
+              </a:schemeClr>
+            </a:solidFill>
+            <a:ln>
+              <a:noFill/>
+            </a:ln>
+          </p:spPr>
+          <p:style>
+            <a:lnRef idx="2">
+              <a:schemeClr val="accent1">
+                <a:lumMod val="75000"/>
+              </a:schemeClr>
+            </a:lnRef>
+            <a:fillRef idx="1">
+              <a:schemeClr val="accent1"/>
+            </a:fillRef>
+            <a:effectRef idx="0">
+              <a:srgbClr val="FFFFFF"/>
+            </a:effectRef>
+            <a:fontRef idx="minor">
+              <a:schemeClr val="lt1"/>
+            </a:fontRef>
+          </p:style>
+          <p:txBody>
+            <a:bodyPr rtlCol="0" anchor="ctr"/>
+            <a:p>
+              <a:pPr algn="ctr"/>
+              <a:endParaRPr lang="zh-CN" altLang="en-US"/>
+            </a:p>
+          </p:txBody>
+        </p:sp>
+        <p:sp>
+          <p:nvSpPr>
+            <p:cNvPr id="76" name="文本框 75"/>
+            <p:cNvSpPr txBox="1"/>
+            <p:nvPr/>
+          </p:nvSpPr>
+          <p:spPr>
+            <a:xfrm>
+              <a:off x="5366" y="2794"/>
+              <a:ext cx="1636" cy="412"/>
+            </a:xfrm>
+            <a:prstGeom prst="rect">
+              <a:avLst/>
+            </a:prstGeom>
+            <a:noFill/>
+          </p:spPr>
+          <p:txBody>
+            <a:bodyPr wrap="square" rtlCol="0">
+              <a:noAutofit/>
+            </a:bodyPr>
+            <a:p>
+              <a:pPr algn="l"/>
+              <a:r>
+                <a:rPr lang="en-US" altLang="zh-CN" sz="1000">
+                  <a:solidFill>
+                    <a:schemeClr val="bg1"/>
+                  </a:solidFill>
+                </a:rPr>
+                <a:t>Tools</a:t>
+              </a:r>
+              <a:endParaRPr lang="en-US" altLang="zh-CN" sz="1000">
+                <a:solidFill>
+                  <a:schemeClr val="bg1"/>
+                </a:solidFill>
+              </a:endParaRPr>
+            </a:p>
+          </p:txBody>
+        </p:sp>
+      </p:grpSp>
     </p:spTree>
   </p:cSld>
   <p:clrMapOvr>
@@ -5627,7 +6012,7 @@
                 <a:latin typeface="+mj-ea"/>
                 <a:ea typeface="+mj-ea"/>
               </a:rPr>
-              <a:t>Projects</a:t>
+              <a:t>Assets</a:t>
             </a:r>
             <a:endParaRPr lang="en-US" altLang="zh-CN" sz="1000">
               <a:latin typeface="+mj-ea"/>
@@ -5679,8 +6064,9 @@
               <a:rPr lang="en-US" altLang="zh-CN" sz="1000">
                 <a:latin typeface="+mj-ea"/>
                 <a:ea typeface="+mj-ea"/>
+                <a:sym typeface="+mn-ea"/>
               </a:rPr>
-              <a:t>Assets</a:t>
+              <a:t>Design</a:t>
             </a:r>
             <a:endParaRPr lang="en-US" altLang="zh-CN" sz="1000">
               <a:latin typeface="+mj-ea"/>
@@ -5732,8 +6118,9 @@
               <a:rPr lang="en-US" altLang="zh-CN" sz="1000">
                 <a:latin typeface="+mj-ea"/>
                 <a:ea typeface="+mj-ea"/>
+                <a:sym typeface="+mn-ea"/>
               </a:rPr>
-              <a:t>Design</a:t>
+              <a:t>Tasks</a:t>
             </a:r>
             <a:endParaRPr lang="en-US" altLang="zh-CN" sz="1000">
               <a:latin typeface="+mj-ea"/>
@@ -6175,7 +6562,7 @@
         </p:nvGrpSpPr>
         <p:grpSpPr>
           <a:xfrm>
-            <a:off x="2489200" y="1859280"/>
+            <a:off x="2395855" y="2174875"/>
             <a:ext cx="5397500" cy="1499235"/>
             <a:chOff x="3920" y="2928"/>
             <a:chExt cx="8500" cy="2361"/>
@@ -6590,7 +6977,7 @@
         </p:nvGrpSpPr>
         <p:grpSpPr>
           <a:xfrm>
-            <a:off x="2490470" y="3507740"/>
+            <a:off x="2395855" y="3842385"/>
             <a:ext cx="5397500" cy="1499235"/>
             <a:chOff x="3920" y="2928"/>
             <a:chExt cx="8500" cy="2361"/>
@@ -7005,8 +7392,8 @@
         </p:nvGrpSpPr>
         <p:grpSpPr>
           <a:xfrm>
-            <a:off x="2498090" y="5193665"/>
-            <a:ext cx="5397500" cy="912495"/>
+            <a:off x="2404745" y="5563870"/>
+            <a:ext cx="5397500" cy="542290"/>
             <a:chOff x="3920" y="2928"/>
             <a:chExt cx="8500" cy="1869"/>
           </a:xfrm>
@@ -7349,11 +7736,7 @@
             <a:pPr algn="ctr"/>
             <a:r>
               <a:rPr lang="en-US" altLang="zh-CN"/>
-              <a:t>Project </a:t>
-            </a:r>
-            <a:r>
-              <a:rPr lang="en-US" altLang="zh-CN"/>
-              <a:t>Info</a:t>
+              <a:t>Asset Info</a:t>
             </a:r>
             <a:endParaRPr lang="en-US" altLang="zh-CN"/>
           </a:p>
@@ -7399,6 +7782,2869 @@
           </a:p>
         </p:txBody>
       </p:sp>
+      <p:grpSp>
+        <p:nvGrpSpPr>
+          <p:cNvPr id="3" name="组合 2"/>
+          <p:cNvGrpSpPr/>
+          <p:nvPr/>
+        </p:nvGrpSpPr>
+        <p:grpSpPr>
+          <a:xfrm>
+            <a:off x="7320915" y="1758315"/>
+            <a:ext cx="693420" cy="276860"/>
+            <a:chOff x="16105" y="2684"/>
+            <a:chExt cx="1092" cy="436"/>
+          </a:xfrm>
+        </p:grpSpPr>
+        <p:pic>
+          <p:nvPicPr>
+            <p:cNvPr id="4" name="图片 3" descr="sort_by_attributes_a"/>
+            <p:cNvPicPr>
+              <a:picLocks noChangeAspect="1"/>
+            </p:cNvPicPr>
+            <p:nvPr/>
+          </p:nvPicPr>
+          <p:blipFill>
+            <a:blip r:embed="rId18">
+              <a:extLst>
+                <a:ext uri="{96DAC541-7B7A-43D3-8B79-37D633B846F1}">
+                  <asvg:svgBlip xmlns:asvg="http://schemas.microsoft.com/office/drawing/2016/SVG/main" r:embed="rId19"/>
+                </a:ext>
+              </a:extLst>
+            </a:blip>
+            <a:stretch>
+              <a:fillRect/>
+            </a:stretch>
+          </p:blipFill>
+          <p:spPr>
+            <a:xfrm>
+              <a:off x="16105" y="2719"/>
+              <a:ext cx="287" cy="287"/>
+            </a:xfrm>
+            <a:prstGeom prst="rect">
+              <a:avLst/>
+            </a:prstGeom>
+          </p:spPr>
+        </p:pic>
+        <p:sp>
+          <p:nvSpPr>
+            <p:cNvPr id="9" name="文本框 8"/>
+            <p:cNvSpPr txBox="1"/>
+            <p:nvPr/>
+          </p:nvSpPr>
+          <p:spPr>
+            <a:xfrm>
+              <a:off x="16329" y="2684"/>
+              <a:ext cx="868" cy="437"/>
+            </a:xfrm>
+            <a:prstGeom prst="rect">
+              <a:avLst/>
+            </a:prstGeom>
+            <a:noFill/>
+          </p:spPr>
+          <p:txBody>
+            <a:bodyPr wrap="square" rtlCol="0">
+              <a:noAutofit/>
+            </a:bodyPr>
+            <a:p>
+              <a:pPr algn="ctr"/>
+              <a:r>
+                <a:rPr lang="en-US" altLang="zh-CN" sz="1000">
+                  <a:solidFill>
+                    <a:schemeClr val="bg1"/>
+                  </a:solidFill>
+                  <a:latin typeface="+mj-ea"/>
+                  <a:ea typeface="+mj-ea"/>
+                </a:rPr>
+                <a:t>T</a:t>
+              </a:r>
+              <a:r>
+                <a:rPr lang="en-US" altLang="zh-CN" sz="1000">
+                  <a:solidFill>
+                    <a:schemeClr val="bg1"/>
+                  </a:solidFill>
+                  <a:latin typeface="+mj-ea"/>
+                  <a:ea typeface="+mj-ea"/>
+                </a:rPr>
+                <a:t>IME</a:t>
+              </a:r>
+              <a:endParaRPr lang="en-US" altLang="zh-CN" sz="1000">
+                <a:solidFill>
+                  <a:schemeClr val="bg1"/>
+                </a:solidFill>
+                <a:latin typeface="+mj-ea"/>
+                <a:ea typeface="+mj-ea"/>
+              </a:endParaRPr>
+            </a:p>
+          </p:txBody>
+        </p:sp>
+      </p:grpSp>
+      <p:pic>
+        <p:nvPicPr>
+          <p:cNvPr id="12" name="图片 11"/>
+          <p:cNvPicPr>
+            <a:picLocks noChangeAspect="1"/>
+          </p:cNvPicPr>
+          <p:nvPr/>
+        </p:nvPicPr>
+        <p:blipFill>
+          <a:blip r:embed="rId20"/>
+          <a:stretch>
+            <a:fillRect/>
+          </a:stretch>
+        </p:blipFill>
+        <p:spPr>
+          <a:xfrm>
+            <a:off x="5198110" y="1758315"/>
+            <a:ext cx="2092960" cy="241300"/>
+          </a:xfrm>
+          <a:prstGeom prst="rect">
+            <a:avLst/>
+          </a:prstGeom>
+        </p:spPr>
+      </p:pic>
+      <p:grpSp>
+        <p:nvGrpSpPr>
+          <p:cNvPr id="57" name="组合 56"/>
+          <p:cNvGrpSpPr/>
+          <p:nvPr/>
+        </p:nvGrpSpPr>
+        <p:grpSpPr>
+          <a:xfrm>
+            <a:off x="3981450" y="1774190"/>
+            <a:ext cx="1165225" cy="261620"/>
+            <a:chOff x="6270" y="2794"/>
+            <a:chExt cx="1835" cy="412"/>
+          </a:xfrm>
+        </p:grpSpPr>
+        <p:sp>
+          <p:nvSpPr>
+            <p:cNvPr id="43" name="文本框 42"/>
+            <p:cNvSpPr txBox="1"/>
+            <p:nvPr/>
+          </p:nvSpPr>
+          <p:spPr>
+            <a:xfrm>
+              <a:off x="6469" y="2794"/>
+              <a:ext cx="1636" cy="412"/>
+            </a:xfrm>
+            <a:prstGeom prst="rect">
+              <a:avLst/>
+            </a:prstGeom>
+            <a:noFill/>
+          </p:spPr>
+          <p:txBody>
+            <a:bodyPr wrap="square" rtlCol="0">
+              <a:noAutofit/>
+            </a:bodyPr>
+            <a:p>
+              <a:pPr algn="l"/>
+              <a:r>
+                <a:rPr lang="en-US" altLang="zh-CN" sz="1000">
+                  <a:solidFill>
+                    <a:schemeClr val="bg1"/>
+                  </a:solidFill>
+                </a:rPr>
+                <a:t>Wallpapers</a:t>
+              </a:r>
+              <a:endParaRPr lang="en-US" altLang="zh-CN" sz="1000">
+                <a:solidFill>
+                  <a:schemeClr val="bg1"/>
+                </a:solidFill>
+              </a:endParaRPr>
+            </a:p>
+          </p:txBody>
+        </p:sp>
+        <p:sp>
+          <p:nvSpPr>
+            <p:cNvPr id="56" name="椭圆 55"/>
+            <p:cNvSpPr/>
+            <p:nvPr/>
+          </p:nvSpPr>
+          <p:spPr>
+            <a:xfrm>
+              <a:off x="6270" y="2938"/>
+              <a:ext cx="113" cy="113"/>
+            </a:xfrm>
+            <a:prstGeom prst="ellipse">
+              <a:avLst/>
+            </a:prstGeom>
+            <a:solidFill>
+              <a:schemeClr val="bg2">
+                <a:lumMod val="75000"/>
+              </a:schemeClr>
+            </a:solidFill>
+            <a:ln>
+              <a:noFill/>
+            </a:ln>
+          </p:spPr>
+          <p:style>
+            <a:lnRef idx="2">
+              <a:schemeClr val="accent1">
+                <a:lumMod val="75000"/>
+              </a:schemeClr>
+            </a:lnRef>
+            <a:fillRef idx="1">
+              <a:schemeClr val="accent1"/>
+            </a:fillRef>
+            <a:effectRef idx="0">
+              <a:srgbClr val="FFFFFF"/>
+            </a:effectRef>
+            <a:fontRef idx="minor">
+              <a:schemeClr val="lt1"/>
+            </a:fontRef>
+          </p:style>
+          <p:txBody>
+            <a:bodyPr rtlCol="0" anchor="ctr"/>
+            <a:p>
+              <a:pPr algn="ctr"/>
+              <a:endParaRPr lang="zh-CN" altLang="en-US"/>
+            </a:p>
+          </p:txBody>
+        </p:sp>
+      </p:grpSp>
+      <p:grpSp>
+        <p:nvGrpSpPr>
+          <p:cNvPr id="65" name="组合 64"/>
+          <p:cNvGrpSpPr/>
+          <p:nvPr/>
+        </p:nvGrpSpPr>
+        <p:grpSpPr>
+          <a:xfrm>
+            <a:off x="2463165" y="1774190"/>
+            <a:ext cx="1110615" cy="261620"/>
+            <a:chOff x="4036" y="2794"/>
+            <a:chExt cx="1749" cy="412"/>
+          </a:xfrm>
+        </p:grpSpPr>
+        <p:sp>
+          <p:nvSpPr>
+            <p:cNvPr id="46" name="椭圆 45"/>
+            <p:cNvSpPr/>
+            <p:nvPr/>
+          </p:nvSpPr>
+          <p:spPr>
+            <a:xfrm>
+              <a:off x="4036" y="2949"/>
+              <a:ext cx="113" cy="113"/>
+            </a:xfrm>
+            <a:prstGeom prst="ellipse">
+              <a:avLst/>
+            </a:prstGeom>
+            <a:solidFill>
+              <a:schemeClr val="bg2">
+                <a:lumMod val="75000"/>
+              </a:schemeClr>
+            </a:solidFill>
+            <a:ln>
+              <a:noFill/>
+            </a:ln>
+          </p:spPr>
+          <p:style>
+            <a:lnRef idx="2">
+              <a:schemeClr val="accent1">
+                <a:lumMod val="75000"/>
+              </a:schemeClr>
+            </a:lnRef>
+            <a:fillRef idx="1">
+              <a:schemeClr val="accent1"/>
+            </a:fillRef>
+            <a:effectRef idx="0">
+              <a:srgbClr val="FFFFFF"/>
+            </a:effectRef>
+            <a:fontRef idx="minor">
+              <a:schemeClr val="lt1"/>
+            </a:fontRef>
+          </p:style>
+          <p:txBody>
+            <a:bodyPr rtlCol="0" anchor="ctr"/>
+            <a:p>
+              <a:pPr algn="ctr"/>
+              <a:endParaRPr lang="zh-CN" altLang="en-US"/>
+            </a:p>
+          </p:txBody>
+        </p:sp>
+        <p:sp>
+          <p:nvSpPr>
+            <p:cNvPr id="59" name="文本框 58"/>
+            <p:cNvSpPr txBox="1"/>
+            <p:nvPr/>
+          </p:nvSpPr>
+          <p:spPr>
+            <a:xfrm>
+              <a:off x="4149" y="2794"/>
+              <a:ext cx="1636" cy="412"/>
+            </a:xfrm>
+            <a:prstGeom prst="rect">
+              <a:avLst/>
+            </a:prstGeom>
+            <a:noFill/>
+          </p:spPr>
+          <p:txBody>
+            <a:bodyPr wrap="square" rtlCol="0">
+              <a:noAutofit/>
+            </a:bodyPr>
+            <a:p>
+              <a:pPr algn="l"/>
+              <a:r>
+                <a:rPr lang="en-US" altLang="zh-CN" sz="1000">
+                  <a:solidFill>
+                    <a:schemeClr val="bg1"/>
+                  </a:solidFill>
+                </a:rPr>
+                <a:t>Projects</a:t>
+              </a:r>
+              <a:endParaRPr lang="en-US" altLang="zh-CN" sz="1000">
+                <a:solidFill>
+                  <a:schemeClr val="bg1"/>
+                </a:solidFill>
+              </a:endParaRPr>
+            </a:p>
+          </p:txBody>
+        </p:sp>
+      </p:grpSp>
+      <p:grpSp>
+        <p:nvGrpSpPr>
+          <p:cNvPr id="66" name="组合 65"/>
+          <p:cNvGrpSpPr/>
+          <p:nvPr/>
+        </p:nvGrpSpPr>
+        <p:grpSpPr>
+          <a:xfrm>
+            <a:off x="3261360" y="1774190"/>
+            <a:ext cx="1137920" cy="261620"/>
+            <a:chOff x="5210" y="2794"/>
+            <a:chExt cx="1792" cy="412"/>
+          </a:xfrm>
+        </p:grpSpPr>
+        <p:sp>
+          <p:nvSpPr>
+            <p:cNvPr id="51" name="椭圆 50"/>
+            <p:cNvSpPr/>
+            <p:nvPr/>
+          </p:nvSpPr>
+          <p:spPr>
+            <a:xfrm>
+              <a:off x="5210" y="2949"/>
+              <a:ext cx="113" cy="113"/>
+            </a:xfrm>
+            <a:prstGeom prst="ellipse">
+              <a:avLst/>
+            </a:prstGeom>
+            <a:solidFill>
+              <a:schemeClr val="bg2">
+                <a:lumMod val="75000"/>
+              </a:schemeClr>
+            </a:solidFill>
+            <a:ln>
+              <a:noFill/>
+            </a:ln>
+          </p:spPr>
+          <p:style>
+            <a:lnRef idx="2">
+              <a:schemeClr val="accent1">
+                <a:lumMod val="75000"/>
+              </a:schemeClr>
+            </a:lnRef>
+            <a:fillRef idx="1">
+              <a:schemeClr val="accent1"/>
+            </a:fillRef>
+            <a:effectRef idx="0">
+              <a:srgbClr val="FFFFFF"/>
+            </a:effectRef>
+            <a:fontRef idx="minor">
+              <a:schemeClr val="lt1"/>
+            </a:fontRef>
+          </p:style>
+          <p:txBody>
+            <a:bodyPr rtlCol="0" anchor="ctr"/>
+            <a:p>
+              <a:pPr algn="ctr"/>
+              <a:endParaRPr lang="zh-CN" altLang="en-US"/>
+            </a:p>
+          </p:txBody>
+        </p:sp>
+        <p:sp>
+          <p:nvSpPr>
+            <p:cNvPr id="64" name="文本框 63"/>
+            <p:cNvSpPr txBox="1"/>
+            <p:nvPr/>
+          </p:nvSpPr>
+          <p:spPr>
+            <a:xfrm>
+              <a:off x="5366" y="2794"/>
+              <a:ext cx="1636" cy="412"/>
+            </a:xfrm>
+            <a:prstGeom prst="rect">
+              <a:avLst/>
+            </a:prstGeom>
+            <a:noFill/>
+          </p:spPr>
+          <p:txBody>
+            <a:bodyPr wrap="square" rtlCol="0">
+              <a:noAutofit/>
+            </a:bodyPr>
+            <a:p>
+              <a:pPr algn="l"/>
+              <a:r>
+                <a:rPr lang="en-US" altLang="zh-CN" sz="1000">
+                  <a:solidFill>
+                    <a:schemeClr val="bg1"/>
+                  </a:solidFill>
+                </a:rPr>
+                <a:t>Tools</a:t>
+              </a:r>
+              <a:endParaRPr lang="en-US" altLang="zh-CN" sz="1000">
+                <a:solidFill>
+                  <a:schemeClr val="bg1"/>
+                </a:solidFill>
+              </a:endParaRPr>
+            </a:p>
+          </p:txBody>
+        </p:sp>
+      </p:grpSp>
+    </p:spTree>
+  </p:cSld>
+  <p:clrMapOvr>
+    <a:masterClrMapping/>
+  </p:clrMapOvr>
+</p:sld>
+</file>
+
+<file path=ppt/slides/slide3.xml><?xml version="1.0" encoding="utf-8"?>
+<p:sld xmlns:a="http://schemas.openxmlformats.org/drawingml/2006/main" xmlns:r="http://schemas.openxmlformats.org/officeDocument/2006/relationships" xmlns:p="http://schemas.openxmlformats.org/presentationml/2006/main">
+  <p:cSld>
+    <p:spTree>
+      <p:nvGrpSpPr>
+        <p:cNvPr id="1" name=""/>
+        <p:cNvGrpSpPr/>
+        <p:nvPr/>
+      </p:nvGrpSpPr>
+      <p:grpSpPr/>
+      <p:sp>
+        <p:nvSpPr>
+          <p:cNvPr id="5" name="文本框 4"/>
+          <p:cNvSpPr txBox="1"/>
+          <p:nvPr/>
+        </p:nvSpPr>
+        <p:spPr>
+          <a:xfrm>
+            <a:off x="43815" y="0"/>
+            <a:ext cx="4064000" cy="368300"/>
+          </a:xfrm>
+          <a:prstGeom prst="rect">
+            <a:avLst/>
+          </a:prstGeom>
+          <a:noFill/>
+        </p:spPr>
+        <p:txBody>
+          <a:bodyPr wrap="square" rtlCol="0">
+            <a:spAutoFit/>
+          </a:bodyPr>
+          <a:p>
+            <a:r>
+              <a:rPr lang="en-US" altLang="zh-CN">
+                <a:latin typeface="+mj-ea"/>
+                <a:ea typeface="+mj-ea"/>
+              </a:rPr>
+              <a:t>Layout</a:t>
+            </a:r>
+            <a:endParaRPr lang="en-US" altLang="zh-CN">
+              <a:latin typeface="+mj-ea"/>
+              <a:ea typeface="+mj-ea"/>
+            </a:endParaRPr>
+          </a:p>
+        </p:txBody>
+      </p:sp>
+      <p:grpSp>
+        <p:nvGrpSpPr>
+          <p:cNvPr id="11" name="组合 10"/>
+          <p:cNvGrpSpPr/>
+          <p:nvPr/>
+        </p:nvGrpSpPr>
+        <p:grpSpPr>
+          <a:xfrm>
+            <a:off x="675640" y="708025"/>
+            <a:ext cx="10490200" cy="5573395"/>
+            <a:chOff x="4736" y="2178"/>
+            <a:chExt cx="11592" cy="6218"/>
+          </a:xfrm>
+          <a:effectLst>
+            <a:outerShdw blurRad="50800" dist="38100" dir="2700000" algn="tl" rotWithShape="0">
+              <a:prstClr val="black">
+                <a:alpha val="40000"/>
+              </a:prstClr>
+            </a:outerShdw>
+          </a:effectLst>
+        </p:grpSpPr>
+        <p:sp>
+          <p:nvSpPr>
+            <p:cNvPr id="8" name="矩形 7"/>
+            <p:cNvSpPr/>
+            <p:nvPr/>
+          </p:nvSpPr>
+          <p:spPr>
+            <a:xfrm>
+              <a:off x="4736" y="2178"/>
+              <a:ext cx="11592" cy="6218"/>
+            </a:xfrm>
+            <a:prstGeom prst="rect">
+              <a:avLst/>
+            </a:prstGeom>
+            <a:solidFill>
+              <a:srgbClr val="151515"/>
+            </a:solidFill>
+            <a:ln>
+              <a:noFill/>
+            </a:ln>
+          </p:spPr>
+          <p:style>
+            <a:lnRef idx="2">
+              <a:schemeClr val="accent1">
+                <a:lumMod val="75000"/>
+              </a:schemeClr>
+            </a:lnRef>
+            <a:fillRef idx="1">
+              <a:schemeClr val="accent1"/>
+            </a:fillRef>
+            <a:effectRef idx="0">
+              <a:srgbClr val="FFFFFF"/>
+            </a:effectRef>
+            <a:fontRef idx="minor">
+              <a:schemeClr val="lt1"/>
+            </a:fontRef>
+          </p:style>
+          <p:txBody>
+            <a:bodyPr rtlCol="0" anchor="ctr"/>
+            <a:p>
+              <a:pPr algn="ctr"/>
+              <a:endParaRPr lang="zh-CN" altLang="en-US"/>
+            </a:p>
+          </p:txBody>
+        </p:sp>
+        <p:pic>
+          <p:nvPicPr>
+            <p:cNvPr id="10" name="图片 9"/>
+            <p:cNvPicPr>
+              <a:picLocks noChangeAspect="1"/>
+            </p:cNvPicPr>
+            <p:nvPr/>
+          </p:nvPicPr>
+          <p:blipFill>
+            <a:blip r:embed="rId1"/>
+            <a:stretch>
+              <a:fillRect/>
+            </a:stretch>
+          </p:blipFill>
+          <p:spPr>
+            <a:xfrm>
+              <a:off x="15048" y="2178"/>
+              <a:ext cx="1280" cy="269"/>
+            </a:xfrm>
+            <a:prstGeom prst="rect">
+              <a:avLst/>
+            </a:prstGeom>
+          </p:spPr>
+        </p:pic>
+      </p:grpSp>
+      <p:sp>
+        <p:nvSpPr>
+          <p:cNvPr id="13" name="文本框 12"/>
+          <p:cNvSpPr txBox="1"/>
+          <p:nvPr/>
+        </p:nvSpPr>
+        <p:spPr>
+          <a:xfrm>
+            <a:off x="675640" y="708025"/>
+            <a:ext cx="2804795" cy="632460"/>
+          </a:xfrm>
+          <a:prstGeom prst="rect">
+            <a:avLst/>
+          </a:prstGeom>
+          <a:noFill/>
+        </p:spPr>
+        <p:txBody>
+          <a:bodyPr wrap="square" rtlCol="0" anchor="ctr" anchorCtr="0">
+            <a:noAutofit/>
+          </a:bodyPr>
+          <a:p>
+            <a:pPr algn="ctr"/>
+            <a:r>
+              <a:rPr lang="en-US" altLang="zh-CN" sz="1600">
+                <a:solidFill>
+                  <a:schemeClr val="bg1"/>
+                </a:solidFill>
+                <a:latin typeface="+mn-ea"/>
+              </a:rPr>
+              <a:t>Unreal Wallpaper Engine</a:t>
+            </a:r>
+            <a:endParaRPr lang="en-US" altLang="zh-CN" sz="1600">
+              <a:solidFill>
+                <a:schemeClr val="bg1"/>
+              </a:solidFill>
+              <a:latin typeface="+mn-ea"/>
+            </a:endParaRPr>
+          </a:p>
+        </p:txBody>
+      </p:sp>
+      <p:sp>
+        <p:nvSpPr>
+          <p:cNvPr id="14" name="矩形 13"/>
+          <p:cNvSpPr/>
+          <p:nvPr/>
+        </p:nvSpPr>
+        <p:spPr>
+          <a:xfrm>
+            <a:off x="913130" y="1405255"/>
+            <a:ext cx="1093470" cy="692150"/>
+          </a:xfrm>
+          <a:prstGeom prst="rect">
+            <a:avLst/>
+          </a:prstGeom>
+          <a:noFill/>
+          <a:ln>
+            <a:noFill/>
+          </a:ln>
+        </p:spPr>
+        <p:style>
+          <a:lnRef idx="2">
+            <a:schemeClr val="accent1">
+              <a:lumMod val="75000"/>
+            </a:schemeClr>
+          </a:lnRef>
+          <a:fillRef idx="1">
+            <a:schemeClr val="accent1"/>
+          </a:fillRef>
+          <a:effectRef idx="0">
+            <a:srgbClr val="FFFFFF"/>
+          </a:effectRef>
+          <a:fontRef idx="minor">
+            <a:schemeClr val="lt1"/>
+          </a:fontRef>
+        </p:style>
+        <p:txBody>
+          <a:bodyPr rtlCol="0" anchor="ctr"/>
+          <a:p>
+            <a:pPr algn="ctr"/>
+            <a:r>
+              <a:rPr lang="en-US" altLang="zh-CN" sz="1000">
+                <a:latin typeface="+mj-ea"/>
+                <a:ea typeface="+mj-ea"/>
+              </a:rPr>
+              <a:t>Assets</a:t>
+            </a:r>
+            <a:endParaRPr lang="en-US" altLang="zh-CN" sz="1000">
+              <a:latin typeface="+mj-ea"/>
+              <a:ea typeface="+mj-ea"/>
+            </a:endParaRPr>
+          </a:p>
+        </p:txBody>
+      </p:sp>
+      <p:sp>
+        <p:nvSpPr>
+          <p:cNvPr id="15" name="矩形 14"/>
+          <p:cNvSpPr/>
+          <p:nvPr/>
+        </p:nvSpPr>
+        <p:spPr>
+          <a:xfrm>
+            <a:off x="913130" y="2277745"/>
+            <a:ext cx="1093470" cy="692150"/>
+          </a:xfrm>
+          <a:prstGeom prst="rect">
+            <a:avLst/>
+          </a:prstGeom>
+          <a:solidFill>
+            <a:schemeClr val="tx1">
+              <a:lumMod val="50000"/>
+              <a:lumOff val="50000"/>
+            </a:schemeClr>
+          </a:solidFill>
+          <a:ln>
+            <a:noFill/>
+          </a:ln>
+        </p:spPr>
+        <p:style>
+          <a:lnRef idx="2">
+            <a:schemeClr val="accent1">
+              <a:lumMod val="75000"/>
+            </a:schemeClr>
+          </a:lnRef>
+          <a:fillRef idx="1">
+            <a:schemeClr val="accent1"/>
+          </a:fillRef>
+          <a:effectRef idx="0">
+            <a:srgbClr val="FFFFFF"/>
+          </a:effectRef>
+          <a:fontRef idx="minor">
+            <a:schemeClr val="lt1"/>
+          </a:fontRef>
+        </p:style>
+        <p:txBody>
+          <a:bodyPr rtlCol="0" anchor="ctr"/>
+          <a:p>
+            <a:pPr algn="ctr"/>
+            <a:r>
+              <a:rPr lang="en-US" altLang="zh-CN" sz="1000">
+                <a:latin typeface="+mj-ea"/>
+                <a:ea typeface="+mj-ea"/>
+                <a:sym typeface="+mn-ea"/>
+              </a:rPr>
+              <a:t>Design</a:t>
+            </a:r>
+            <a:endParaRPr lang="en-US" altLang="zh-CN" sz="1000">
+              <a:latin typeface="+mj-ea"/>
+              <a:ea typeface="+mj-ea"/>
+            </a:endParaRPr>
+          </a:p>
+        </p:txBody>
+      </p:sp>
+      <p:sp>
+        <p:nvSpPr>
+          <p:cNvPr id="16" name="矩形 15"/>
+          <p:cNvSpPr/>
+          <p:nvPr/>
+        </p:nvSpPr>
+        <p:spPr>
+          <a:xfrm>
+            <a:off x="913130" y="3150235"/>
+            <a:ext cx="1093470" cy="692150"/>
+          </a:xfrm>
+          <a:prstGeom prst="rect">
+            <a:avLst/>
+          </a:prstGeom>
+          <a:noFill/>
+          <a:ln>
+            <a:noFill/>
+          </a:ln>
+        </p:spPr>
+        <p:style>
+          <a:lnRef idx="2">
+            <a:schemeClr val="accent1">
+              <a:lumMod val="75000"/>
+            </a:schemeClr>
+          </a:lnRef>
+          <a:fillRef idx="1">
+            <a:schemeClr val="accent1"/>
+          </a:fillRef>
+          <a:effectRef idx="0">
+            <a:srgbClr val="FFFFFF"/>
+          </a:effectRef>
+          <a:fontRef idx="minor">
+            <a:schemeClr val="lt1"/>
+          </a:fontRef>
+        </p:style>
+        <p:txBody>
+          <a:bodyPr rtlCol="0" anchor="ctr"/>
+          <a:p>
+            <a:pPr algn="ctr"/>
+            <a:r>
+              <a:rPr lang="en-US" altLang="zh-CN" sz="1000">
+                <a:latin typeface="+mj-ea"/>
+                <a:ea typeface="+mj-ea"/>
+                <a:sym typeface="+mn-ea"/>
+              </a:rPr>
+              <a:t>Download</a:t>
+            </a:r>
+            <a:endParaRPr lang="en-US" altLang="zh-CN" sz="1000">
+              <a:latin typeface="+mj-ea"/>
+              <a:ea typeface="+mj-ea"/>
+            </a:endParaRPr>
+          </a:p>
+        </p:txBody>
+      </p:sp>
+      <p:sp>
+        <p:nvSpPr>
+          <p:cNvPr id="17" name="矩形 16"/>
+          <p:cNvSpPr/>
+          <p:nvPr/>
+        </p:nvSpPr>
+        <p:spPr>
+          <a:xfrm>
+            <a:off x="913130" y="4022725"/>
+            <a:ext cx="1093470" cy="692150"/>
+          </a:xfrm>
+          <a:prstGeom prst="rect">
+            <a:avLst/>
+          </a:prstGeom>
+          <a:noFill/>
+          <a:ln>
+            <a:noFill/>
+          </a:ln>
+        </p:spPr>
+        <p:style>
+          <a:lnRef idx="2">
+            <a:schemeClr val="accent1">
+              <a:lumMod val="75000"/>
+            </a:schemeClr>
+          </a:lnRef>
+          <a:fillRef idx="1">
+            <a:schemeClr val="accent1"/>
+          </a:fillRef>
+          <a:effectRef idx="0">
+            <a:srgbClr val="FFFFFF"/>
+          </a:effectRef>
+          <a:fontRef idx="minor">
+            <a:schemeClr val="lt1"/>
+          </a:fontRef>
+        </p:style>
+        <p:txBody>
+          <a:bodyPr rtlCol="0" anchor="ctr"/>
+          <a:p>
+            <a:pPr algn="ctr"/>
+            <a:r>
+              <a:rPr lang="en-US" altLang="zh-CN" sz="1000">
+                <a:latin typeface="+mj-ea"/>
+                <a:ea typeface="+mj-ea"/>
+              </a:rPr>
+              <a:t>Settings</a:t>
+            </a:r>
+            <a:endParaRPr lang="en-US" altLang="zh-CN" sz="1000">
+              <a:latin typeface="+mj-ea"/>
+              <a:ea typeface="+mj-ea"/>
+            </a:endParaRPr>
+          </a:p>
+        </p:txBody>
+      </p:sp>
+      <p:sp>
+        <p:nvSpPr>
+          <p:cNvPr id="18" name="矩形 17"/>
+          <p:cNvSpPr/>
+          <p:nvPr/>
+        </p:nvSpPr>
+        <p:spPr>
+          <a:xfrm>
+            <a:off x="2298700" y="1405255"/>
+            <a:ext cx="8701405" cy="4700905"/>
+          </a:xfrm>
+          <a:prstGeom prst="rect">
+            <a:avLst/>
+          </a:prstGeom>
+          <a:solidFill>
+            <a:schemeClr val="tx1">
+              <a:lumMod val="85000"/>
+              <a:lumOff val="15000"/>
+            </a:schemeClr>
+          </a:solidFill>
+          <a:ln>
+            <a:noFill/>
+          </a:ln>
+        </p:spPr>
+        <p:style>
+          <a:lnRef idx="2">
+            <a:schemeClr val="accent1">
+              <a:lumMod val="75000"/>
+            </a:schemeClr>
+          </a:lnRef>
+          <a:fillRef idx="1">
+            <a:schemeClr val="accent1"/>
+          </a:fillRef>
+          <a:effectRef idx="0">
+            <a:srgbClr val="FFFFFF"/>
+          </a:effectRef>
+          <a:fontRef idx="minor">
+            <a:schemeClr val="lt1"/>
+          </a:fontRef>
+        </p:style>
+        <p:txBody>
+          <a:bodyPr rtlCol="0" anchor="ctr"/>
+          <a:p>
+            <a:pPr algn="ctr"/>
+            <a:endParaRPr lang="zh-CN" altLang="en-US"/>
+          </a:p>
+        </p:txBody>
+      </p:sp>
+      <p:sp>
+        <p:nvSpPr>
+          <p:cNvPr id="75" name="矩形 74"/>
+          <p:cNvSpPr/>
+          <p:nvPr/>
+        </p:nvSpPr>
+        <p:spPr>
+          <a:xfrm>
+            <a:off x="2367915" y="1588770"/>
+            <a:ext cx="2635250" cy="4518025"/>
+          </a:xfrm>
+          <a:prstGeom prst="rect">
+            <a:avLst/>
+          </a:prstGeom>
+          <a:solidFill>
+            <a:schemeClr val="tx1">
+              <a:lumMod val="85000"/>
+              <a:lumOff val="15000"/>
+            </a:schemeClr>
+          </a:solidFill>
+          <a:ln>
+            <a:noFill/>
+          </a:ln>
+        </p:spPr>
+        <p:style>
+          <a:lnRef idx="2">
+            <a:schemeClr val="accent1">
+              <a:lumMod val="75000"/>
+            </a:schemeClr>
+          </a:lnRef>
+          <a:fillRef idx="1">
+            <a:schemeClr val="accent1"/>
+          </a:fillRef>
+          <a:effectRef idx="0">
+            <a:srgbClr val="FFFFFF"/>
+          </a:effectRef>
+          <a:fontRef idx="minor">
+            <a:schemeClr val="lt1"/>
+          </a:fontRef>
+        </p:style>
+        <p:txBody>
+          <a:bodyPr rtlCol="0" anchor="ctr"/>
+          <a:p>
+            <a:pPr algn="ctr"/>
+            <a:endParaRPr lang="zh-CN" altLang="en-US"/>
+          </a:p>
+        </p:txBody>
+      </p:sp>
+      <p:sp>
+        <p:nvSpPr>
+          <p:cNvPr id="6" name="矩形 5"/>
+          <p:cNvSpPr/>
+          <p:nvPr/>
+        </p:nvSpPr>
+        <p:spPr>
+          <a:xfrm>
+            <a:off x="5222875" y="1492250"/>
+            <a:ext cx="5692140" cy="4551680"/>
+          </a:xfrm>
+          <a:prstGeom prst="rect">
+            <a:avLst/>
+          </a:prstGeom>
+          <a:solidFill>
+            <a:schemeClr val="tx1">
+              <a:lumMod val="75000"/>
+              <a:lumOff val="25000"/>
+            </a:schemeClr>
+          </a:solidFill>
+          <a:ln>
+            <a:noFill/>
+          </a:ln>
+        </p:spPr>
+        <p:style>
+          <a:lnRef idx="2">
+            <a:schemeClr val="accent1">
+              <a:lumMod val="75000"/>
+            </a:schemeClr>
+          </a:lnRef>
+          <a:fillRef idx="1">
+            <a:schemeClr val="accent1"/>
+          </a:fillRef>
+          <a:effectRef idx="0">
+            <a:srgbClr val="FFFFFF"/>
+          </a:effectRef>
+          <a:fontRef idx="minor">
+            <a:schemeClr val="lt1"/>
+          </a:fontRef>
+        </p:style>
+        <p:txBody>
+          <a:bodyPr rtlCol="0" anchor="t" anchorCtr="0"/>
+          <a:p>
+            <a:pPr algn="ctr"/>
+            <a:endParaRPr lang="en-US" altLang="zh-CN"/>
+          </a:p>
+        </p:txBody>
+      </p:sp>
+      <p:sp>
+        <p:nvSpPr>
+          <p:cNvPr id="19" name="文本框 18"/>
+          <p:cNvSpPr txBox="1"/>
+          <p:nvPr/>
+        </p:nvSpPr>
+        <p:spPr>
+          <a:xfrm>
+            <a:off x="2332355" y="1446530"/>
+            <a:ext cx="1038860" cy="261620"/>
+          </a:xfrm>
+          <a:prstGeom prst="rect">
+            <a:avLst/>
+          </a:prstGeom>
+          <a:noFill/>
+        </p:spPr>
+        <p:txBody>
+          <a:bodyPr wrap="square" rtlCol="0">
+            <a:noAutofit/>
+          </a:bodyPr>
+          <a:p>
+            <a:pPr algn="l"/>
+            <a:r>
+              <a:rPr lang="en-US" altLang="zh-CN" sz="1000">
+                <a:solidFill>
+                  <a:schemeClr val="bg1"/>
+                </a:solidFill>
+              </a:rPr>
+              <a:t>Outline</a:t>
+            </a:r>
+            <a:endParaRPr lang="en-US" altLang="zh-CN" sz="1000">
+              <a:solidFill>
+                <a:schemeClr val="bg1"/>
+              </a:solidFill>
+            </a:endParaRPr>
+          </a:p>
+        </p:txBody>
+      </p:sp>
+      <p:pic>
+        <p:nvPicPr>
+          <p:cNvPr id="24" name="图片 23"/>
+          <p:cNvPicPr>
+            <a:picLocks noChangeAspect="1"/>
+          </p:cNvPicPr>
+          <p:nvPr/>
+        </p:nvPicPr>
+        <p:blipFill>
+          <a:blip r:embed="rId2"/>
+          <a:stretch>
+            <a:fillRect/>
+          </a:stretch>
+        </p:blipFill>
+        <p:spPr>
+          <a:xfrm>
+            <a:off x="5222875" y="1901825"/>
+            <a:ext cx="5691505" cy="4142105"/>
+          </a:xfrm>
+          <a:prstGeom prst="rect">
+            <a:avLst/>
+          </a:prstGeom>
+        </p:spPr>
+      </p:pic>
+      <p:pic>
+        <p:nvPicPr>
+          <p:cNvPr id="27" name="图片 26"/>
+          <p:cNvPicPr>
+            <a:picLocks noChangeAspect="1"/>
+          </p:cNvPicPr>
+          <p:nvPr/>
+        </p:nvPicPr>
+        <p:blipFill>
+          <a:blip r:embed="rId3"/>
+          <a:srcRect l="1287" t="2824" r="1724"/>
+          <a:stretch>
+            <a:fillRect/>
+          </a:stretch>
+        </p:blipFill>
+        <p:spPr>
+          <a:xfrm>
+            <a:off x="2367915" y="1644650"/>
+            <a:ext cx="2740025" cy="1573530"/>
+          </a:xfrm>
+          <a:prstGeom prst="rect">
+            <a:avLst/>
+          </a:prstGeom>
+        </p:spPr>
+      </p:pic>
+      <p:sp>
+        <p:nvSpPr>
+          <p:cNvPr id="28" name="文本框 27"/>
+          <p:cNvSpPr txBox="1"/>
+          <p:nvPr/>
+        </p:nvSpPr>
+        <p:spPr>
+          <a:xfrm>
+            <a:off x="5364480" y="1588770"/>
+            <a:ext cx="1038860" cy="261620"/>
+          </a:xfrm>
+          <a:prstGeom prst="rect">
+            <a:avLst/>
+          </a:prstGeom>
+          <a:solidFill>
+            <a:schemeClr val="accent3"/>
+          </a:solidFill>
+        </p:spPr>
+        <p:txBody>
+          <a:bodyPr wrap="square" rtlCol="0">
+            <a:noAutofit/>
+          </a:bodyPr>
+          <a:p>
+            <a:pPr algn="ctr"/>
+            <a:r>
+              <a:rPr lang="en-US" altLang="zh-CN" sz="1000">
+                <a:solidFill>
+                  <a:schemeClr val="bg1"/>
+                </a:solidFill>
+              </a:rPr>
+              <a:t>New</a:t>
+            </a:r>
+            <a:endParaRPr lang="en-US" altLang="zh-CN" sz="1000">
+              <a:solidFill>
+                <a:schemeClr val="bg1"/>
+              </a:solidFill>
+            </a:endParaRPr>
+          </a:p>
+        </p:txBody>
+      </p:sp>
+      <p:sp>
+        <p:nvSpPr>
+          <p:cNvPr id="33" name="文本框 32"/>
+          <p:cNvSpPr txBox="1"/>
+          <p:nvPr/>
+        </p:nvSpPr>
+        <p:spPr>
+          <a:xfrm>
+            <a:off x="6577965" y="1588770"/>
+            <a:ext cx="1038860" cy="261620"/>
+          </a:xfrm>
+          <a:prstGeom prst="rect">
+            <a:avLst/>
+          </a:prstGeom>
+          <a:solidFill>
+            <a:schemeClr val="accent3"/>
+          </a:solidFill>
+        </p:spPr>
+        <p:txBody>
+          <a:bodyPr wrap="square" rtlCol="0">
+            <a:noAutofit/>
+          </a:bodyPr>
+          <a:p>
+            <a:pPr algn="ctr"/>
+            <a:r>
+              <a:rPr lang="en-US" altLang="zh-CN" sz="1000">
+                <a:solidFill>
+                  <a:schemeClr val="bg1"/>
+                </a:solidFill>
+              </a:rPr>
+              <a:t>Save</a:t>
+            </a:r>
+            <a:endParaRPr lang="en-US" altLang="zh-CN" sz="1000">
+              <a:solidFill>
+                <a:schemeClr val="bg1"/>
+              </a:solidFill>
+            </a:endParaRPr>
+          </a:p>
+        </p:txBody>
+      </p:sp>
+      <p:sp>
+        <p:nvSpPr>
+          <p:cNvPr id="35" name="文本框 34"/>
+          <p:cNvSpPr txBox="1"/>
+          <p:nvPr/>
+        </p:nvSpPr>
+        <p:spPr>
+          <a:xfrm>
+            <a:off x="7791450" y="1588770"/>
+            <a:ext cx="1038860" cy="261620"/>
+          </a:xfrm>
+          <a:prstGeom prst="rect">
+            <a:avLst/>
+          </a:prstGeom>
+          <a:solidFill>
+            <a:schemeClr val="accent3"/>
+          </a:solidFill>
+        </p:spPr>
+        <p:txBody>
+          <a:bodyPr wrap="square" rtlCol="0">
+            <a:noAutofit/>
+          </a:bodyPr>
+          <a:p>
+            <a:pPr algn="ctr"/>
+            <a:r>
+              <a:rPr lang="en-US" altLang="zh-CN" sz="1000">
+                <a:solidFill>
+                  <a:schemeClr val="bg1"/>
+                </a:solidFill>
+              </a:rPr>
+              <a:t>Share</a:t>
+            </a:r>
+            <a:endParaRPr lang="en-US" altLang="zh-CN" sz="1000">
+              <a:solidFill>
+                <a:schemeClr val="bg1"/>
+              </a:solidFill>
+            </a:endParaRPr>
+          </a:p>
+        </p:txBody>
+      </p:sp>
+    </p:spTree>
+  </p:cSld>
+  <p:clrMapOvr>
+    <a:masterClrMapping/>
+  </p:clrMapOvr>
+</p:sld>
+</file>
+
+<file path=ppt/slides/slide4.xml><?xml version="1.0" encoding="utf-8"?>
+<p:sld xmlns:a="http://schemas.openxmlformats.org/drawingml/2006/main" xmlns:r="http://schemas.openxmlformats.org/officeDocument/2006/relationships" xmlns:p="http://schemas.openxmlformats.org/presentationml/2006/main">
+  <p:cSld>
+    <p:spTree>
+      <p:nvGrpSpPr>
+        <p:cNvPr id="1" name=""/>
+        <p:cNvGrpSpPr/>
+        <p:nvPr/>
+      </p:nvGrpSpPr>
+      <p:grpSpPr/>
+      <p:sp>
+        <p:nvSpPr>
+          <p:cNvPr id="5" name="文本框 4"/>
+          <p:cNvSpPr txBox="1"/>
+          <p:nvPr/>
+        </p:nvSpPr>
+        <p:spPr>
+          <a:xfrm>
+            <a:off x="43815" y="0"/>
+            <a:ext cx="4064000" cy="368300"/>
+          </a:xfrm>
+          <a:prstGeom prst="rect">
+            <a:avLst/>
+          </a:prstGeom>
+          <a:noFill/>
+        </p:spPr>
+        <p:txBody>
+          <a:bodyPr wrap="square" rtlCol="0">
+            <a:spAutoFit/>
+          </a:bodyPr>
+          <a:p>
+            <a:r>
+              <a:rPr lang="en-US" altLang="zh-CN">
+                <a:latin typeface="+mj-ea"/>
+                <a:ea typeface="+mj-ea"/>
+              </a:rPr>
+              <a:t>Layout</a:t>
+            </a:r>
+            <a:endParaRPr lang="en-US" altLang="zh-CN">
+              <a:latin typeface="+mj-ea"/>
+              <a:ea typeface="+mj-ea"/>
+            </a:endParaRPr>
+          </a:p>
+        </p:txBody>
+      </p:sp>
+      <p:grpSp>
+        <p:nvGrpSpPr>
+          <p:cNvPr id="11" name="组合 10"/>
+          <p:cNvGrpSpPr/>
+          <p:nvPr/>
+        </p:nvGrpSpPr>
+        <p:grpSpPr>
+          <a:xfrm>
+            <a:off x="640080" y="753745"/>
+            <a:ext cx="10490200" cy="5573395"/>
+            <a:chOff x="4736" y="2178"/>
+            <a:chExt cx="11592" cy="6218"/>
+          </a:xfrm>
+          <a:effectLst>
+            <a:outerShdw blurRad="50800" dist="38100" dir="2700000" algn="tl" rotWithShape="0">
+              <a:prstClr val="black">
+                <a:alpha val="40000"/>
+              </a:prstClr>
+            </a:outerShdw>
+          </a:effectLst>
+        </p:grpSpPr>
+        <p:sp>
+          <p:nvSpPr>
+            <p:cNvPr id="8" name="矩形 7"/>
+            <p:cNvSpPr/>
+            <p:nvPr/>
+          </p:nvSpPr>
+          <p:spPr>
+            <a:xfrm>
+              <a:off x="4736" y="2178"/>
+              <a:ext cx="11592" cy="6218"/>
+            </a:xfrm>
+            <a:prstGeom prst="rect">
+              <a:avLst/>
+            </a:prstGeom>
+            <a:solidFill>
+              <a:srgbClr val="151515"/>
+            </a:solidFill>
+            <a:ln>
+              <a:noFill/>
+            </a:ln>
+          </p:spPr>
+          <p:style>
+            <a:lnRef idx="2">
+              <a:schemeClr val="accent1">
+                <a:lumMod val="75000"/>
+              </a:schemeClr>
+            </a:lnRef>
+            <a:fillRef idx="1">
+              <a:schemeClr val="accent1"/>
+            </a:fillRef>
+            <a:effectRef idx="0">
+              <a:srgbClr val="FFFFFF"/>
+            </a:effectRef>
+            <a:fontRef idx="minor">
+              <a:schemeClr val="lt1"/>
+            </a:fontRef>
+          </p:style>
+          <p:txBody>
+            <a:bodyPr rtlCol="0" anchor="ctr"/>
+            <a:p>
+              <a:pPr algn="ctr"/>
+              <a:endParaRPr lang="zh-CN" altLang="en-US"/>
+            </a:p>
+          </p:txBody>
+        </p:sp>
+        <p:pic>
+          <p:nvPicPr>
+            <p:cNvPr id="10" name="图片 9"/>
+            <p:cNvPicPr>
+              <a:picLocks noChangeAspect="1"/>
+            </p:cNvPicPr>
+            <p:nvPr/>
+          </p:nvPicPr>
+          <p:blipFill>
+            <a:blip r:embed="rId1"/>
+            <a:stretch>
+              <a:fillRect/>
+            </a:stretch>
+          </p:blipFill>
+          <p:spPr>
+            <a:xfrm>
+              <a:off x="15048" y="2178"/>
+              <a:ext cx="1280" cy="269"/>
+            </a:xfrm>
+            <a:prstGeom prst="rect">
+              <a:avLst/>
+            </a:prstGeom>
+          </p:spPr>
+        </p:pic>
+      </p:grpSp>
+      <p:sp>
+        <p:nvSpPr>
+          <p:cNvPr id="13" name="文本框 12"/>
+          <p:cNvSpPr txBox="1"/>
+          <p:nvPr/>
+        </p:nvSpPr>
+        <p:spPr>
+          <a:xfrm>
+            <a:off x="675640" y="708025"/>
+            <a:ext cx="2804795" cy="632460"/>
+          </a:xfrm>
+          <a:prstGeom prst="rect">
+            <a:avLst/>
+          </a:prstGeom>
+          <a:noFill/>
+        </p:spPr>
+        <p:txBody>
+          <a:bodyPr wrap="square" rtlCol="0" anchor="ctr" anchorCtr="0">
+            <a:noAutofit/>
+          </a:bodyPr>
+          <a:p>
+            <a:pPr algn="ctr"/>
+            <a:r>
+              <a:rPr lang="en-US" altLang="zh-CN" sz="1600">
+                <a:solidFill>
+                  <a:schemeClr val="bg1"/>
+                </a:solidFill>
+                <a:latin typeface="+mn-ea"/>
+              </a:rPr>
+              <a:t>Unreal Wallpaper Engine</a:t>
+            </a:r>
+            <a:endParaRPr lang="en-US" altLang="zh-CN" sz="1600">
+              <a:solidFill>
+                <a:schemeClr val="bg1"/>
+              </a:solidFill>
+              <a:latin typeface="+mn-ea"/>
+            </a:endParaRPr>
+          </a:p>
+        </p:txBody>
+      </p:sp>
+      <p:sp>
+        <p:nvSpPr>
+          <p:cNvPr id="14" name="矩形 13"/>
+          <p:cNvSpPr/>
+          <p:nvPr>
+            <p:custDataLst>
+              <p:tags r:id="rId2"/>
+            </p:custDataLst>
+          </p:nvPr>
+        </p:nvSpPr>
+        <p:spPr>
+          <a:xfrm>
+            <a:off x="913130" y="1405255"/>
+            <a:ext cx="1093470" cy="692150"/>
+          </a:xfrm>
+          <a:prstGeom prst="rect">
+            <a:avLst/>
+          </a:prstGeom>
+          <a:noFill/>
+          <a:ln>
+            <a:noFill/>
+          </a:ln>
+        </p:spPr>
+        <p:style>
+          <a:lnRef idx="2">
+            <a:schemeClr val="accent1">
+              <a:lumMod val="75000"/>
+            </a:schemeClr>
+          </a:lnRef>
+          <a:fillRef idx="1">
+            <a:schemeClr val="accent1"/>
+          </a:fillRef>
+          <a:effectRef idx="0">
+            <a:srgbClr val="FFFFFF"/>
+          </a:effectRef>
+          <a:fontRef idx="minor">
+            <a:schemeClr val="lt1"/>
+          </a:fontRef>
+        </p:style>
+        <p:txBody>
+          <a:bodyPr rtlCol="0" anchor="ctr"/>
+          <a:p>
+            <a:pPr algn="ctr"/>
+            <a:r>
+              <a:rPr lang="en-US" altLang="zh-CN" sz="1000">
+                <a:latin typeface="+mj-ea"/>
+                <a:ea typeface="+mj-ea"/>
+              </a:rPr>
+              <a:t>Assets</a:t>
+            </a:r>
+            <a:endParaRPr lang="en-US" altLang="zh-CN" sz="1000">
+              <a:latin typeface="+mj-ea"/>
+              <a:ea typeface="+mj-ea"/>
+            </a:endParaRPr>
+          </a:p>
+        </p:txBody>
+      </p:sp>
+      <p:sp>
+        <p:nvSpPr>
+          <p:cNvPr id="15" name="矩形 14"/>
+          <p:cNvSpPr/>
+          <p:nvPr>
+            <p:custDataLst>
+              <p:tags r:id="rId3"/>
+            </p:custDataLst>
+          </p:nvPr>
+        </p:nvSpPr>
+        <p:spPr>
+          <a:xfrm>
+            <a:off x="913130" y="2277745"/>
+            <a:ext cx="1093470" cy="692150"/>
+          </a:xfrm>
+          <a:prstGeom prst="rect">
+            <a:avLst/>
+          </a:prstGeom>
+          <a:noFill/>
+          <a:ln>
+            <a:noFill/>
+          </a:ln>
+        </p:spPr>
+        <p:style>
+          <a:lnRef idx="2">
+            <a:schemeClr val="accent1">
+              <a:lumMod val="75000"/>
+            </a:schemeClr>
+          </a:lnRef>
+          <a:fillRef idx="1">
+            <a:schemeClr val="accent1"/>
+          </a:fillRef>
+          <a:effectRef idx="0">
+            <a:srgbClr val="FFFFFF"/>
+          </a:effectRef>
+          <a:fontRef idx="minor">
+            <a:schemeClr val="lt1"/>
+          </a:fontRef>
+        </p:style>
+        <p:txBody>
+          <a:bodyPr rtlCol="0" anchor="ctr"/>
+          <a:p>
+            <a:pPr algn="ctr"/>
+            <a:r>
+              <a:rPr lang="en-US" altLang="zh-CN" sz="1000">
+                <a:latin typeface="+mj-ea"/>
+                <a:ea typeface="+mj-ea"/>
+                <a:sym typeface="+mn-ea"/>
+              </a:rPr>
+              <a:t>Design</a:t>
+            </a:r>
+            <a:endParaRPr lang="en-US" altLang="zh-CN" sz="1000">
+              <a:latin typeface="+mj-ea"/>
+              <a:ea typeface="+mj-ea"/>
+            </a:endParaRPr>
+          </a:p>
+        </p:txBody>
+      </p:sp>
+      <p:sp>
+        <p:nvSpPr>
+          <p:cNvPr id="16" name="矩形 15"/>
+          <p:cNvSpPr/>
+          <p:nvPr/>
+        </p:nvSpPr>
+        <p:spPr>
+          <a:xfrm>
+            <a:off x="913130" y="3150235"/>
+            <a:ext cx="1093470" cy="692150"/>
+          </a:xfrm>
+          <a:prstGeom prst="rect">
+            <a:avLst/>
+          </a:prstGeom>
+          <a:solidFill>
+            <a:schemeClr val="bg1">
+              <a:lumMod val="65000"/>
+            </a:schemeClr>
+          </a:solidFill>
+          <a:ln>
+            <a:noFill/>
+          </a:ln>
+        </p:spPr>
+        <p:style>
+          <a:lnRef idx="2">
+            <a:schemeClr val="accent1">
+              <a:lumMod val="75000"/>
+            </a:schemeClr>
+          </a:lnRef>
+          <a:fillRef idx="1">
+            <a:schemeClr val="accent1"/>
+          </a:fillRef>
+          <a:effectRef idx="0">
+            <a:srgbClr val="FFFFFF"/>
+          </a:effectRef>
+          <a:fontRef idx="minor">
+            <a:schemeClr val="lt1"/>
+          </a:fontRef>
+        </p:style>
+        <p:txBody>
+          <a:bodyPr rtlCol="0" anchor="ctr"/>
+          <a:p>
+            <a:pPr algn="ctr"/>
+            <a:r>
+              <a:rPr lang="en-US" altLang="zh-CN" sz="1000">
+                <a:latin typeface="+mj-ea"/>
+                <a:ea typeface="+mj-ea"/>
+                <a:sym typeface="+mn-ea"/>
+              </a:rPr>
+              <a:t>Tasks</a:t>
+            </a:r>
+            <a:endParaRPr lang="en-US" altLang="zh-CN" sz="1000">
+              <a:latin typeface="+mj-ea"/>
+              <a:ea typeface="+mj-ea"/>
+            </a:endParaRPr>
+          </a:p>
+        </p:txBody>
+      </p:sp>
+      <p:sp>
+        <p:nvSpPr>
+          <p:cNvPr id="17" name="矩形 16"/>
+          <p:cNvSpPr/>
+          <p:nvPr/>
+        </p:nvSpPr>
+        <p:spPr>
+          <a:xfrm>
+            <a:off x="913130" y="4022725"/>
+            <a:ext cx="1093470" cy="692150"/>
+          </a:xfrm>
+          <a:prstGeom prst="rect">
+            <a:avLst/>
+          </a:prstGeom>
+          <a:noFill/>
+          <a:ln>
+            <a:noFill/>
+          </a:ln>
+        </p:spPr>
+        <p:style>
+          <a:lnRef idx="2">
+            <a:schemeClr val="accent1">
+              <a:lumMod val="75000"/>
+            </a:schemeClr>
+          </a:lnRef>
+          <a:fillRef idx="1">
+            <a:schemeClr val="accent1"/>
+          </a:fillRef>
+          <a:effectRef idx="0">
+            <a:srgbClr val="FFFFFF"/>
+          </a:effectRef>
+          <a:fontRef idx="minor">
+            <a:schemeClr val="lt1"/>
+          </a:fontRef>
+        </p:style>
+        <p:txBody>
+          <a:bodyPr rtlCol="0" anchor="ctr"/>
+          <a:p>
+            <a:pPr algn="ctr"/>
+            <a:r>
+              <a:rPr lang="en-US" altLang="zh-CN" sz="1000">
+                <a:latin typeface="+mj-ea"/>
+                <a:ea typeface="+mj-ea"/>
+              </a:rPr>
+              <a:t>Settings</a:t>
+            </a:r>
+            <a:endParaRPr lang="en-US" altLang="zh-CN" sz="1000">
+              <a:latin typeface="+mj-ea"/>
+              <a:ea typeface="+mj-ea"/>
+            </a:endParaRPr>
+          </a:p>
+        </p:txBody>
+      </p:sp>
+      <p:grpSp>
+        <p:nvGrpSpPr>
+          <p:cNvPr id="9" name="组合 8"/>
+          <p:cNvGrpSpPr/>
+          <p:nvPr/>
+        </p:nvGrpSpPr>
+        <p:grpSpPr>
+          <a:xfrm>
+            <a:off x="2291080" y="1736090"/>
+            <a:ext cx="8705215" cy="4370070"/>
+            <a:chOff x="3608" y="2322"/>
+            <a:chExt cx="13709" cy="7294"/>
+          </a:xfrm>
+        </p:grpSpPr>
+        <p:sp>
+          <p:nvSpPr>
+            <p:cNvPr id="7" name="矩形 6"/>
+            <p:cNvSpPr/>
+            <p:nvPr/>
+          </p:nvSpPr>
+          <p:spPr>
+            <a:xfrm>
+              <a:off x="3608" y="2322"/>
+              <a:ext cx="13702" cy="7294"/>
+            </a:xfrm>
+            <a:prstGeom prst="rect">
+              <a:avLst/>
+            </a:prstGeom>
+            <a:solidFill>
+              <a:schemeClr val="tx1">
+                <a:lumMod val="75000"/>
+                <a:lumOff val="25000"/>
+              </a:schemeClr>
+            </a:solidFill>
+            <a:ln>
+              <a:noFill/>
+            </a:ln>
+          </p:spPr>
+          <p:style>
+            <a:lnRef idx="2">
+              <a:schemeClr val="accent1">
+                <a:lumMod val="75000"/>
+              </a:schemeClr>
+            </a:lnRef>
+            <a:fillRef idx="1">
+              <a:schemeClr val="accent1"/>
+            </a:fillRef>
+            <a:effectRef idx="0">
+              <a:srgbClr val="FFFFFF"/>
+            </a:effectRef>
+            <a:fontRef idx="minor">
+              <a:schemeClr val="lt1"/>
+            </a:fontRef>
+          </p:style>
+          <p:txBody>
+            <a:bodyPr rtlCol="0" anchor="ctr"/>
+            <a:p>
+              <a:pPr algn="ctr"/>
+              <a:endParaRPr lang="zh-CN" altLang="en-US"/>
+            </a:p>
+          </p:txBody>
+        </p:sp>
+        <p:sp>
+          <p:nvSpPr>
+            <p:cNvPr id="71" name="矩形 70"/>
+            <p:cNvSpPr/>
+            <p:nvPr/>
+          </p:nvSpPr>
+          <p:spPr>
+            <a:xfrm>
+              <a:off x="17197" y="2624"/>
+              <a:ext cx="120" cy="6992"/>
+            </a:xfrm>
+            <a:prstGeom prst="rect">
+              <a:avLst/>
+            </a:prstGeom>
+            <a:solidFill>
+              <a:schemeClr val="tx1">
+                <a:lumMod val="50000"/>
+                <a:lumOff val="50000"/>
+              </a:schemeClr>
+            </a:solidFill>
+            <a:ln>
+              <a:noFill/>
+            </a:ln>
+          </p:spPr>
+          <p:style>
+            <a:lnRef idx="2">
+              <a:schemeClr val="accent1">
+                <a:lumMod val="75000"/>
+              </a:schemeClr>
+            </a:lnRef>
+            <a:fillRef idx="1">
+              <a:schemeClr val="accent1"/>
+            </a:fillRef>
+            <a:effectRef idx="0">
+              <a:srgbClr val="FFFFFF"/>
+            </a:effectRef>
+            <a:fontRef idx="minor">
+              <a:schemeClr val="lt1"/>
+            </a:fontRef>
+          </p:style>
+          <p:txBody>
+            <a:bodyPr rtlCol="0" anchor="ctr"/>
+            <a:p>
+              <a:pPr algn="ctr"/>
+              <a:endParaRPr lang="zh-CN" altLang="en-US"/>
+            </a:p>
+          </p:txBody>
+        </p:sp>
+        <p:sp>
+          <p:nvSpPr>
+            <p:cNvPr id="72" name="矩形 71"/>
+            <p:cNvSpPr/>
+            <p:nvPr/>
+          </p:nvSpPr>
+          <p:spPr>
+            <a:xfrm>
+              <a:off x="17196" y="2322"/>
+              <a:ext cx="114" cy="2984"/>
+            </a:xfrm>
+            <a:prstGeom prst="rect">
+              <a:avLst/>
+            </a:prstGeom>
+            <a:solidFill>
+              <a:schemeClr val="bg1">
+                <a:lumMod val="65000"/>
+              </a:schemeClr>
+            </a:solidFill>
+            <a:ln>
+              <a:noFill/>
+            </a:ln>
+          </p:spPr>
+          <p:style>
+            <a:lnRef idx="2">
+              <a:schemeClr val="accent1">
+                <a:lumMod val="75000"/>
+              </a:schemeClr>
+            </a:lnRef>
+            <a:fillRef idx="1">
+              <a:schemeClr val="accent1"/>
+            </a:fillRef>
+            <a:effectRef idx="0">
+              <a:srgbClr val="FFFFFF"/>
+            </a:effectRef>
+            <a:fontRef idx="minor">
+              <a:schemeClr val="lt1"/>
+            </a:fontRef>
+          </p:style>
+          <p:txBody>
+            <a:bodyPr rtlCol="0" anchor="ctr"/>
+            <a:p>
+              <a:pPr algn="ctr"/>
+              <a:endParaRPr lang="zh-CN" altLang="en-US"/>
+            </a:p>
+          </p:txBody>
+        </p:sp>
+      </p:grpSp>
+      <p:sp>
+        <p:nvSpPr>
+          <p:cNvPr id="12" name="文本框 11"/>
+          <p:cNvSpPr txBox="1"/>
+          <p:nvPr>
+            <p:custDataLst>
+              <p:tags r:id="rId4"/>
+            </p:custDataLst>
+          </p:nvPr>
+        </p:nvSpPr>
+        <p:spPr>
+          <a:xfrm>
+            <a:off x="2298700" y="1474470"/>
+            <a:ext cx="1038860" cy="261620"/>
+          </a:xfrm>
+          <a:prstGeom prst="rect">
+            <a:avLst/>
+          </a:prstGeom>
+          <a:solidFill>
+            <a:schemeClr val="bg1">
+              <a:lumMod val="65000"/>
+            </a:schemeClr>
+          </a:solidFill>
+        </p:spPr>
+        <p:txBody>
+          <a:bodyPr wrap="square" rtlCol="0">
+            <a:noAutofit/>
+          </a:bodyPr>
+          <a:p>
+            <a:pPr algn="ctr"/>
+            <a:r>
+              <a:rPr lang="zh-CN" altLang="en-US" sz="1000">
+                <a:solidFill>
+                  <a:schemeClr val="bg1"/>
+                </a:solidFill>
+              </a:rPr>
+              <a:t>下载</a:t>
+            </a:r>
+            <a:r>
+              <a:rPr lang="zh-CN" altLang="en-US" sz="1000">
+                <a:solidFill>
+                  <a:schemeClr val="bg1"/>
+                </a:solidFill>
+              </a:rPr>
+              <a:t>中</a:t>
+            </a:r>
+            <a:endParaRPr lang="zh-CN" altLang="en-US" sz="1000">
+              <a:solidFill>
+                <a:schemeClr val="bg1"/>
+              </a:solidFill>
+            </a:endParaRPr>
+          </a:p>
+        </p:txBody>
+      </p:sp>
+      <p:sp>
+        <p:nvSpPr>
+          <p:cNvPr id="20" name="文本框 19"/>
+          <p:cNvSpPr txBox="1"/>
+          <p:nvPr>
+            <p:custDataLst>
+              <p:tags r:id="rId5"/>
+            </p:custDataLst>
+          </p:nvPr>
+        </p:nvSpPr>
+        <p:spPr>
+          <a:xfrm>
+            <a:off x="3377565" y="1474470"/>
+            <a:ext cx="1038860" cy="261620"/>
+          </a:xfrm>
+          <a:prstGeom prst="rect">
+            <a:avLst/>
+          </a:prstGeom>
+          <a:noFill/>
+        </p:spPr>
+        <p:txBody>
+          <a:bodyPr wrap="square" rtlCol="0">
+            <a:noAutofit/>
+          </a:bodyPr>
+          <a:p>
+            <a:pPr algn="ctr"/>
+            <a:r>
+              <a:rPr lang="zh-CN" altLang="en-US" sz="1000">
+                <a:solidFill>
+                  <a:schemeClr val="bg1"/>
+                </a:solidFill>
+              </a:rPr>
+              <a:t>已完成</a:t>
+            </a:r>
+            <a:endParaRPr lang="zh-CN" altLang="en-US" sz="1000">
+              <a:solidFill>
+                <a:schemeClr val="bg1"/>
+              </a:solidFill>
+            </a:endParaRPr>
+          </a:p>
+        </p:txBody>
+      </p:sp>
+      <p:grpSp>
+        <p:nvGrpSpPr>
+          <p:cNvPr id="26" name="组合 25"/>
+          <p:cNvGrpSpPr/>
+          <p:nvPr/>
+        </p:nvGrpSpPr>
+        <p:grpSpPr>
+          <a:xfrm>
+            <a:off x="2374265" y="1886585"/>
+            <a:ext cx="8378190" cy="594995"/>
+            <a:chOff x="3780" y="2751"/>
+            <a:chExt cx="13194" cy="937"/>
+          </a:xfrm>
+        </p:grpSpPr>
+        <p:pic>
+          <p:nvPicPr>
+            <p:cNvPr id="3" name="图片 2"/>
+            <p:cNvPicPr/>
+            <p:nvPr/>
+          </p:nvPicPr>
+          <p:blipFill>
+            <a:blip r:embed="rId6"/>
+            <a:stretch>
+              <a:fillRect/>
+            </a:stretch>
+          </p:blipFill>
+          <p:spPr>
+            <a:xfrm flipV="1">
+              <a:off x="3925" y="3237"/>
+              <a:ext cx="12409" cy="120"/>
+            </a:xfrm>
+            <a:prstGeom prst="rect">
+              <a:avLst/>
+            </a:prstGeom>
+          </p:spPr>
+        </p:pic>
+        <p:sp>
+          <p:nvSpPr>
+            <p:cNvPr id="4" name="矩形 3"/>
+            <p:cNvSpPr/>
+            <p:nvPr>
+              <p:custDataLst>
+                <p:tags r:id="rId7"/>
+              </p:custDataLst>
+            </p:nvPr>
+          </p:nvSpPr>
+          <p:spPr>
+            <a:xfrm>
+              <a:off x="3780" y="2751"/>
+              <a:ext cx="2272" cy="552"/>
+            </a:xfrm>
+            <a:prstGeom prst="rect">
+              <a:avLst/>
+            </a:prstGeom>
+            <a:noFill/>
+            <a:ln>
+              <a:noFill/>
+            </a:ln>
+          </p:spPr>
+          <p:style>
+            <a:lnRef idx="2">
+              <a:schemeClr val="accent1">
+                <a:lumMod val="75000"/>
+              </a:schemeClr>
+            </a:lnRef>
+            <a:fillRef idx="1">
+              <a:schemeClr val="accent1"/>
+            </a:fillRef>
+            <a:effectRef idx="0">
+              <a:srgbClr val="FFFFFF"/>
+            </a:effectRef>
+            <a:fontRef idx="minor">
+              <a:schemeClr val="lt1"/>
+            </a:fontRef>
+          </p:style>
+          <p:txBody>
+            <a:bodyPr rtlCol="0" anchor="ctr"/>
+            <a:p>
+              <a:pPr algn="l"/>
+              <a:r>
+                <a:rPr lang="en-US" altLang="zh-CN" sz="1200"/>
+                <a:t>Project 0</a:t>
+              </a:r>
+              <a:endParaRPr lang="en-US" altLang="zh-CN" sz="1200"/>
+            </a:p>
+          </p:txBody>
+        </p:sp>
+        <p:sp>
+          <p:nvSpPr>
+            <p:cNvPr id="21" name="矩形 20"/>
+            <p:cNvSpPr/>
+            <p:nvPr>
+              <p:custDataLst>
+                <p:tags r:id="rId8"/>
+              </p:custDataLst>
+            </p:nvPr>
+          </p:nvSpPr>
+          <p:spPr>
+            <a:xfrm>
+              <a:off x="3828" y="3320"/>
+              <a:ext cx="1856" cy="368"/>
+            </a:xfrm>
+            <a:prstGeom prst="rect">
+              <a:avLst/>
+            </a:prstGeom>
+            <a:noFill/>
+            <a:ln>
+              <a:noFill/>
+            </a:ln>
+          </p:spPr>
+          <p:style>
+            <a:lnRef idx="2">
+              <a:schemeClr val="accent1">
+                <a:lumMod val="75000"/>
+              </a:schemeClr>
+            </a:lnRef>
+            <a:fillRef idx="1">
+              <a:schemeClr val="accent1"/>
+            </a:fillRef>
+            <a:effectRef idx="0">
+              <a:srgbClr val="FFFFFF"/>
+            </a:effectRef>
+            <a:fontRef idx="minor">
+              <a:schemeClr val="lt1"/>
+            </a:fontRef>
+          </p:style>
+          <p:txBody>
+            <a:bodyPr rtlCol="0" anchor="ctr"/>
+            <a:p>
+              <a:pPr algn="l"/>
+              <a:r>
+                <a:rPr lang="en-US" altLang="zh-CN" sz="800"/>
+                <a:t>456 k /s</a:t>
+              </a:r>
+              <a:endParaRPr lang="en-US" altLang="zh-CN" sz="800"/>
+            </a:p>
+          </p:txBody>
+        </p:sp>
+        <p:pic>
+          <p:nvPicPr>
+            <p:cNvPr id="22" name="图片 21" descr="暂停"/>
+            <p:cNvPicPr>
+              <a:picLocks noChangeAspect="1"/>
+            </p:cNvPicPr>
+            <p:nvPr/>
+          </p:nvPicPr>
+          <p:blipFill>
+            <a:blip r:embed="rId9">
+              <a:extLst>
+                <a:ext uri="{96DAC541-7B7A-43D3-8B79-37D633B846F1}">
+                  <asvg:svgBlip xmlns:asvg="http://schemas.microsoft.com/office/drawing/2016/SVG/main" r:embed="rId10"/>
+                </a:ext>
+              </a:extLst>
+            </a:blip>
+            <a:stretch>
+              <a:fillRect/>
+            </a:stretch>
+          </p:blipFill>
+          <p:spPr>
+            <a:xfrm>
+              <a:off x="16421" y="3155"/>
+              <a:ext cx="284" cy="284"/>
+            </a:xfrm>
+            <a:prstGeom prst="rect">
+              <a:avLst/>
+            </a:prstGeom>
+          </p:spPr>
+        </p:pic>
+        <p:pic>
+          <p:nvPicPr>
+            <p:cNvPr id="25" name="图片 24" descr="叉"/>
+            <p:cNvPicPr>
+              <a:picLocks noChangeAspect="1"/>
+            </p:cNvPicPr>
+            <p:nvPr/>
+          </p:nvPicPr>
+          <p:blipFill>
+            <a:blip r:embed="rId11">
+              <a:extLst>
+                <a:ext uri="{96DAC541-7B7A-43D3-8B79-37D633B846F1}">
+                  <asvg:svgBlip xmlns:asvg="http://schemas.microsoft.com/office/drawing/2016/SVG/main" r:embed="rId12"/>
+                </a:ext>
+              </a:extLst>
+            </a:blip>
+            <a:stretch>
+              <a:fillRect/>
+            </a:stretch>
+          </p:blipFill>
+          <p:spPr>
+            <a:xfrm>
+              <a:off x="16792" y="3206"/>
+              <a:ext cx="182" cy="182"/>
+            </a:xfrm>
+            <a:prstGeom prst="rect">
+              <a:avLst/>
+            </a:prstGeom>
+          </p:spPr>
+        </p:pic>
+      </p:grpSp>
+      <p:grpSp>
+        <p:nvGrpSpPr>
+          <p:cNvPr id="28" name="组合 27"/>
+          <p:cNvGrpSpPr/>
+          <p:nvPr/>
+        </p:nvGrpSpPr>
+        <p:grpSpPr>
+          <a:xfrm>
+            <a:off x="2374265" y="2587625"/>
+            <a:ext cx="8378190" cy="594995"/>
+            <a:chOff x="3780" y="2751"/>
+            <a:chExt cx="13194" cy="937"/>
+          </a:xfrm>
+        </p:grpSpPr>
+        <p:pic>
+          <p:nvPicPr>
+            <p:cNvPr id="29" name="图片 28"/>
+            <p:cNvPicPr/>
+            <p:nvPr/>
+          </p:nvPicPr>
+          <p:blipFill>
+            <a:blip r:embed="rId6"/>
+            <a:stretch>
+              <a:fillRect/>
+            </a:stretch>
+          </p:blipFill>
+          <p:spPr>
+            <a:xfrm flipV="1">
+              <a:off x="3925" y="3237"/>
+              <a:ext cx="12409" cy="120"/>
+            </a:xfrm>
+            <a:prstGeom prst="rect">
+              <a:avLst/>
+            </a:prstGeom>
+          </p:spPr>
+        </p:pic>
+        <p:sp>
+          <p:nvSpPr>
+            <p:cNvPr id="30" name="矩形 29"/>
+            <p:cNvSpPr/>
+            <p:nvPr>
+              <p:custDataLst>
+                <p:tags r:id="rId13"/>
+              </p:custDataLst>
+            </p:nvPr>
+          </p:nvSpPr>
+          <p:spPr>
+            <a:xfrm>
+              <a:off x="3780" y="2751"/>
+              <a:ext cx="2272" cy="552"/>
+            </a:xfrm>
+            <a:prstGeom prst="rect">
+              <a:avLst/>
+            </a:prstGeom>
+            <a:noFill/>
+            <a:ln>
+              <a:noFill/>
+            </a:ln>
+          </p:spPr>
+          <p:style>
+            <a:lnRef idx="2">
+              <a:schemeClr val="accent1">
+                <a:lumMod val="75000"/>
+              </a:schemeClr>
+            </a:lnRef>
+            <a:fillRef idx="1">
+              <a:schemeClr val="accent1"/>
+            </a:fillRef>
+            <a:effectRef idx="0">
+              <a:srgbClr val="FFFFFF"/>
+            </a:effectRef>
+            <a:fontRef idx="minor">
+              <a:schemeClr val="lt1"/>
+            </a:fontRef>
+          </p:style>
+          <p:txBody>
+            <a:bodyPr rtlCol="0" anchor="ctr"/>
+            <a:p>
+              <a:pPr algn="l"/>
+              <a:r>
+                <a:rPr lang="en-US" altLang="zh-CN" sz="1200"/>
+                <a:t>Project 1</a:t>
+              </a:r>
+              <a:endParaRPr lang="en-US" altLang="zh-CN" sz="1200"/>
+            </a:p>
+          </p:txBody>
+        </p:sp>
+        <p:sp>
+          <p:nvSpPr>
+            <p:cNvPr id="31" name="矩形 30"/>
+            <p:cNvSpPr/>
+            <p:nvPr>
+              <p:custDataLst>
+                <p:tags r:id="rId14"/>
+              </p:custDataLst>
+            </p:nvPr>
+          </p:nvSpPr>
+          <p:spPr>
+            <a:xfrm>
+              <a:off x="3828" y="3320"/>
+              <a:ext cx="1856" cy="368"/>
+            </a:xfrm>
+            <a:prstGeom prst="rect">
+              <a:avLst/>
+            </a:prstGeom>
+            <a:noFill/>
+            <a:ln>
+              <a:noFill/>
+            </a:ln>
+          </p:spPr>
+          <p:style>
+            <a:lnRef idx="2">
+              <a:schemeClr val="accent1">
+                <a:lumMod val="75000"/>
+              </a:schemeClr>
+            </a:lnRef>
+            <a:fillRef idx="1">
+              <a:schemeClr val="accent1"/>
+            </a:fillRef>
+            <a:effectRef idx="0">
+              <a:srgbClr val="FFFFFF"/>
+            </a:effectRef>
+            <a:fontRef idx="minor">
+              <a:schemeClr val="lt1"/>
+            </a:fontRef>
+          </p:style>
+          <p:txBody>
+            <a:bodyPr rtlCol="0" anchor="ctr"/>
+            <a:p>
+              <a:pPr algn="l"/>
+              <a:r>
+                <a:rPr lang="en-US" altLang="zh-CN" sz="800"/>
+                <a:t>456 k /s</a:t>
+              </a:r>
+              <a:endParaRPr lang="en-US" altLang="zh-CN" sz="800"/>
+            </a:p>
+          </p:txBody>
+        </p:sp>
+        <p:pic>
+          <p:nvPicPr>
+            <p:cNvPr id="32" name="图片 31" descr="暂停"/>
+            <p:cNvPicPr>
+              <a:picLocks noChangeAspect="1"/>
+            </p:cNvPicPr>
+            <p:nvPr/>
+          </p:nvPicPr>
+          <p:blipFill>
+            <a:blip r:embed="rId9">
+              <a:extLst>
+                <a:ext uri="{96DAC541-7B7A-43D3-8B79-37D633B846F1}">
+                  <asvg:svgBlip xmlns:asvg="http://schemas.microsoft.com/office/drawing/2016/SVG/main" r:embed="rId15"/>
+                </a:ext>
+              </a:extLst>
+            </a:blip>
+            <a:stretch>
+              <a:fillRect/>
+            </a:stretch>
+          </p:blipFill>
+          <p:spPr>
+            <a:xfrm>
+              <a:off x="16421" y="3155"/>
+              <a:ext cx="284" cy="284"/>
+            </a:xfrm>
+            <a:prstGeom prst="rect">
+              <a:avLst/>
+            </a:prstGeom>
+          </p:spPr>
+        </p:pic>
+        <p:pic>
+          <p:nvPicPr>
+            <p:cNvPr id="33" name="图片 32" descr="叉"/>
+            <p:cNvPicPr>
+              <a:picLocks noChangeAspect="1"/>
+            </p:cNvPicPr>
+            <p:nvPr/>
+          </p:nvPicPr>
+          <p:blipFill>
+            <a:blip r:embed="rId11">
+              <a:extLst>
+                <a:ext uri="{96DAC541-7B7A-43D3-8B79-37D633B846F1}">
+                  <asvg:svgBlip xmlns:asvg="http://schemas.microsoft.com/office/drawing/2016/SVG/main" r:embed="rId16"/>
+                </a:ext>
+              </a:extLst>
+            </a:blip>
+            <a:stretch>
+              <a:fillRect/>
+            </a:stretch>
+          </p:blipFill>
+          <p:spPr>
+            <a:xfrm>
+              <a:off x="16792" y="3206"/>
+              <a:ext cx="182" cy="182"/>
+            </a:xfrm>
+            <a:prstGeom prst="rect">
+              <a:avLst/>
+            </a:prstGeom>
+          </p:spPr>
+        </p:pic>
+      </p:grpSp>
+      <p:grpSp>
+        <p:nvGrpSpPr>
+          <p:cNvPr id="34" name="组合 33"/>
+          <p:cNvGrpSpPr/>
+          <p:nvPr/>
+        </p:nvGrpSpPr>
+        <p:grpSpPr>
+          <a:xfrm>
+            <a:off x="2374265" y="3288665"/>
+            <a:ext cx="8378190" cy="594995"/>
+            <a:chOff x="3780" y="2751"/>
+            <a:chExt cx="13194" cy="937"/>
+          </a:xfrm>
+        </p:grpSpPr>
+        <p:pic>
+          <p:nvPicPr>
+            <p:cNvPr id="35" name="图片 34"/>
+            <p:cNvPicPr/>
+            <p:nvPr/>
+          </p:nvPicPr>
+          <p:blipFill>
+            <a:blip r:embed="rId6"/>
+            <a:stretch>
+              <a:fillRect/>
+            </a:stretch>
+          </p:blipFill>
+          <p:spPr>
+            <a:xfrm flipV="1">
+              <a:off x="3925" y="3237"/>
+              <a:ext cx="12409" cy="120"/>
+            </a:xfrm>
+            <a:prstGeom prst="rect">
+              <a:avLst/>
+            </a:prstGeom>
+          </p:spPr>
+        </p:pic>
+        <p:sp>
+          <p:nvSpPr>
+            <p:cNvPr id="36" name="矩形 35"/>
+            <p:cNvSpPr/>
+            <p:nvPr>
+              <p:custDataLst>
+                <p:tags r:id="rId17"/>
+              </p:custDataLst>
+            </p:nvPr>
+          </p:nvSpPr>
+          <p:spPr>
+            <a:xfrm>
+              <a:off x="3780" y="2751"/>
+              <a:ext cx="2272" cy="552"/>
+            </a:xfrm>
+            <a:prstGeom prst="rect">
+              <a:avLst/>
+            </a:prstGeom>
+            <a:noFill/>
+            <a:ln>
+              <a:noFill/>
+            </a:ln>
+          </p:spPr>
+          <p:style>
+            <a:lnRef idx="2">
+              <a:schemeClr val="accent1">
+                <a:lumMod val="75000"/>
+              </a:schemeClr>
+            </a:lnRef>
+            <a:fillRef idx="1">
+              <a:schemeClr val="accent1"/>
+            </a:fillRef>
+            <a:effectRef idx="0">
+              <a:srgbClr val="FFFFFF"/>
+            </a:effectRef>
+            <a:fontRef idx="minor">
+              <a:schemeClr val="lt1"/>
+            </a:fontRef>
+          </p:style>
+          <p:txBody>
+            <a:bodyPr rtlCol="0" anchor="ctr"/>
+            <a:p>
+              <a:pPr algn="l"/>
+              <a:r>
+                <a:rPr lang="en-US" altLang="zh-CN" sz="1200"/>
+                <a:t>Project 1</a:t>
+              </a:r>
+              <a:endParaRPr lang="en-US" altLang="zh-CN" sz="1200"/>
+            </a:p>
+          </p:txBody>
+        </p:sp>
+        <p:sp>
+          <p:nvSpPr>
+            <p:cNvPr id="37" name="矩形 36"/>
+            <p:cNvSpPr/>
+            <p:nvPr>
+              <p:custDataLst>
+                <p:tags r:id="rId18"/>
+              </p:custDataLst>
+            </p:nvPr>
+          </p:nvSpPr>
+          <p:spPr>
+            <a:xfrm>
+              <a:off x="3828" y="3320"/>
+              <a:ext cx="1856" cy="368"/>
+            </a:xfrm>
+            <a:prstGeom prst="rect">
+              <a:avLst/>
+            </a:prstGeom>
+            <a:noFill/>
+            <a:ln>
+              <a:noFill/>
+            </a:ln>
+          </p:spPr>
+          <p:style>
+            <a:lnRef idx="2">
+              <a:schemeClr val="accent1">
+                <a:lumMod val="75000"/>
+              </a:schemeClr>
+            </a:lnRef>
+            <a:fillRef idx="1">
+              <a:schemeClr val="accent1"/>
+            </a:fillRef>
+            <a:effectRef idx="0">
+              <a:srgbClr val="FFFFFF"/>
+            </a:effectRef>
+            <a:fontRef idx="minor">
+              <a:schemeClr val="lt1"/>
+            </a:fontRef>
+          </p:style>
+          <p:txBody>
+            <a:bodyPr rtlCol="0" anchor="ctr"/>
+            <a:p>
+              <a:pPr algn="l"/>
+              <a:r>
+                <a:rPr lang="en-US" altLang="zh-CN" sz="800"/>
+                <a:t>456 k /s</a:t>
+              </a:r>
+              <a:endParaRPr lang="en-US" altLang="zh-CN" sz="800"/>
+            </a:p>
+          </p:txBody>
+        </p:sp>
+        <p:pic>
+          <p:nvPicPr>
+            <p:cNvPr id="38" name="图片 37" descr="暂停"/>
+            <p:cNvPicPr>
+              <a:picLocks noChangeAspect="1"/>
+            </p:cNvPicPr>
+            <p:nvPr/>
+          </p:nvPicPr>
+          <p:blipFill>
+            <a:blip r:embed="rId9">
+              <a:extLst>
+                <a:ext uri="{96DAC541-7B7A-43D3-8B79-37D633B846F1}">
+                  <asvg:svgBlip xmlns:asvg="http://schemas.microsoft.com/office/drawing/2016/SVG/main" r:embed="rId15"/>
+                </a:ext>
+              </a:extLst>
+            </a:blip>
+            <a:stretch>
+              <a:fillRect/>
+            </a:stretch>
+          </p:blipFill>
+          <p:spPr>
+            <a:xfrm>
+              <a:off x="16421" y="3155"/>
+              <a:ext cx="284" cy="284"/>
+            </a:xfrm>
+            <a:prstGeom prst="rect">
+              <a:avLst/>
+            </a:prstGeom>
+          </p:spPr>
+        </p:pic>
+        <p:pic>
+          <p:nvPicPr>
+            <p:cNvPr id="39" name="图片 38" descr="叉"/>
+            <p:cNvPicPr>
+              <a:picLocks noChangeAspect="1"/>
+            </p:cNvPicPr>
+            <p:nvPr/>
+          </p:nvPicPr>
+          <p:blipFill>
+            <a:blip r:embed="rId11">
+              <a:extLst>
+                <a:ext uri="{96DAC541-7B7A-43D3-8B79-37D633B846F1}">
+                  <asvg:svgBlip xmlns:asvg="http://schemas.microsoft.com/office/drawing/2016/SVG/main" r:embed="rId16"/>
+                </a:ext>
+              </a:extLst>
+            </a:blip>
+            <a:stretch>
+              <a:fillRect/>
+            </a:stretch>
+          </p:blipFill>
+          <p:spPr>
+            <a:xfrm>
+              <a:off x="16792" y="3206"/>
+              <a:ext cx="182" cy="182"/>
+            </a:xfrm>
+            <a:prstGeom prst="rect">
+              <a:avLst/>
+            </a:prstGeom>
+          </p:spPr>
+        </p:pic>
+      </p:grpSp>
+    </p:spTree>
+  </p:cSld>
+  <p:clrMapOvr>
+    <a:masterClrMapping/>
+  </p:clrMapOvr>
+</p:sld>
+</file>
+
+<file path=ppt/slides/slide5.xml><?xml version="1.0" encoding="utf-8"?>
+<p:sld xmlns:a="http://schemas.openxmlformats.org/drawingml/2006/main" xmlns:r="http://schemas.openxmlformats.org/officeDocument/2006/relationships" xmlns:p="http://schemas.openxmlformats.org/presentationml/2006/main">
+  <p:cSld>
+    <p:spTree>
+      <p:nvGrpSpPr>
+        <p:cNvPr id="1" name=""/>
+        <p:cNvGrpSpPr/>
+        <p:nvPr/>
+      </p:nvGrpSpPr>
+      <p:grpSpPr/>
+      <p:sp>
+        <p:nvSpPr>
+          <p:cNvPr id="5" name="文本框 4"/>
+          <p:cNvSpPr txBox="1"/>
+          <p:nvPr/>
+        </p:nvSpPr>
+        <p:spPr>
+          <a:xfrm>
+            <a:off x="43815" y="0"/>
+            <a:ext cx="4064000" cy="368300"/>
+          </a:xfrm>
+          <a:prstGeom prst="rect">
+            <a:avLst/>
+          </a:prstGeom>
+          <a:noFill/>
+        </p:spPr>
+        <p:txBody>
+          <a:bodyPr wrap="square" rtlCol="0">
+            <a:spAutoFit/>
+          </a:bodyPr>
+          <a:p>
+            <a:r>
+              <a:rPr lang="en-US" altLang="zh-CN">
+                <a:latin typeface="+mj-ea"/>
+                <a:ea typeface="+mj-ea"/>
+              </a:rPr>
+              <a:t>Layout</a:t>
+            </a:r>
+            <a:endParaRPr lang="en-US" altLang="zh-CN">
+              <a:latin typeface="+mj-ea"/>
+              <a:ea typeface="+mj-ea"/>
+            </a:endParaRPr>
+          </a:p>
+        </p:txBody>
+      </p:sp>
+      <p:grpSp>
+        <p:nvGrpSpPr>
+          <p:cNvPr id="11" name="组合 10"/>
+          <p:cNvGrpSpPr/>
+          <p:nvPr/>
+        </p:nvGrpSpPr>
+        <p:grpSpPr>
+          <a:xfrm>
+            <a:off x="675640" y="708025"/>
+            <a:ext cx="10490200" cy="5573395"/>
+            <a:chOff x="4736" y="2178"/>
+            <a:chExt cx="11592" cy="6218"/>
+          </a:xfrm>
+          <a:effectLst>
+            <a:outerShdw blurRad="50800" dist="38100" dir="2700000" algn="tl" rotWithShape="0">
+              <a:prstClr val="black">
+                <a:alpha val="40000"/>
+              </a:prstClr>
+            </a:outerShdw>
+          </a:effectLst>
+        </p:grpSpPr>
+        <p:sp>
+          <p:nvSpPr>
+            <p:cNvPr id="8" name="矩形 7"/>
+            <p:cNvSpPr/>
+            <p:nvPr/>
+          </p:nvSpPr>
+          <p:spPr>
+            <a:xfrm>
+              <a:off x="4736" y="2178"/>
+              <a:ext cx="11592" cy="6218"/>
+            </a:xfrm>
+            <a:prstGeom prst="rect">
+              <a:avLst/>
+            </a:prstGeom>
+            <a:solidFill>
+              <a:srgbClr val="151515"/>
+            </a:solidFill>
+            <a:ln>
+              <a:noFill/>
+            </a:ln>
+          </p:spPr>
+          <p:style>
+            <a:lnRef idx="2">
+              <a:schemeClr val="accent1">
+                <a:lumMod val="75000"/>
+              </a:schemeClr>
+            </a:lnRef>
+            <a:fillRef idx="1">
+              <a:schemeClr val="accent1"/>
+            </a:fillRef>
+            <a:effectRef idx="0">
+              <a:srgbClr val="FFFFFF"/>
+            </a:effectRef>
+            <a:fontRef idx="minor">
+              <a:schemeClr val="lt1"/>
+            </a:fontRef>
+          </p:style>
+          <p:txBody>
+            <a:bodyPr rtlCol="0" anchor="ctr"/>
+            <a:p>
+              <a:pPr algn="ctr"/>
+              <a:endParaRPr lang="zh-CN" altLang="en-US"/>
+            </a:p>
+          </p:txBody>
+        </p:sp>
+        <p:pic>
+          <p:nvPicPr>
+            <p:cNvPr id="10" name="图片 9"/>
+            <p:cNvPicPr>
+              <a:picLocks noChangeAspect="1"/>
+            </p:cNvPicPr>
+            <p:nvPr/>
+          </p:nvPicPr>
+          <p:blipFill>
+            <a:blip r:embed="rId1"/>
+            <a:stretch>
+              <a:fillRect/>
+            </a:stretch>
+          </p:blipFill>
+          <p:spPr>
+            <a:xfrm>
+              <a:off x="15048" y="2178"/>
+              <a:ext cx="1280" cy="269"/>
+            </a:xfrm>
+            <a:prstGeom prst="rect">
+              <a:avLst/>
+            </a:prstGeom>
+          </p:spPr>
+        </p:pic>
+      </p:grpSp>
+      <p:sp>
+        <p:nvSpPr>
+          <p:cNvPr id="13" name="文本框 12"/>
+          <p:cNvSpPr txBox="1"/>
+          <p:nvPr/>
+        </p:nvSpPr>
+        <p:spPr>
+          <a:xfrm>
+            <a:off x="675640" y="708025"/>
+            <a:ext cx="2804795" cy="632460"/>
+          </a:xfrm>
+          <a:prstGeom prst="rect">
+            <a:avLst/>
+          </a:prstGeom>
+          <a:noFill/>
+        </p:spPr>
+        <p:txBody>
+          <a:bodyPr wrap="square" rtlCol="0" anchor="ctr" anchorCtr="0">
+            <a:noAutofit/>
+          </a:bodyPr>
+          <a:p>
+            <a:pPr algn="ctr"/>
+            <a:r>
+              <a:rPr lang="en-US" altLang="zh-CN" sz="1600">
+                <a:solidFill>
+                  <a:schemeClr val="bg1"/>
+                </a:solidFill>
+                <a:latin typeface="+mn-ea"/>
+              </a:rPr>
+              <a:t>Unreal Wallpaper Engine</a:t>
+            </a:r>
+            <a:endParaRPr lang="en-US" altLang="zh-CN" sz="1600">
+              <a:solidFill>
+                <a:schemeClr val="bg1"/>
+              </a:solidFill>
+              <a:latin typeface="+mn-ea"/>
+            </a:endParaRPr>
+          </a:p>
+        </p:txBody>
+      </p:sp>
+      <p:sp>
+        <p:nvSpPr>
+          <p:cNvPr id="14" name="矩形 13"/>
+          <p:cNvSpPr/>
+          <p:nvPr/>
+        </p:nvSpPr>
+        <p:spPr>
+          <a:xfrm>
+            <a:off x="913130" y="1405255"/>
+            <a:ext cx="1093470" cy="692150"/>
+          </a:xfrm>
+          <a:prstGeom prst="rect">
+            <a:avLst/>
+          </a:prstGeom>
+          <a:noFill/>
+          <a:ln>
+            <a:noFill/>
+          </a:ln>
+        </p:spPr>
+        <p:style>
+          <a:lnRef idx="2">
+            <a:schemeClr val="accent1">
+              <a:lumMod val="75000"/>
+            </a:schemeClr>
+          </a:lnRef>
+          <a:fillRef idx="1">
+            <a:schemeClr val="accent1"/>
+          </a:fillRef>
+          <a:effectRef idx="0">
+            <a:srgbClr val="FFFFFF"/>
+          </a:effectRef>
+          <a:fontRef idx="minor">
+            <a:schemeClr val="lt1"/>
+          </a:fontRef>
+        </p:style>
+        <p:txBody>
+          <a:bodyPr rtlCol="0" anchor="ctr"/>
+          <a:p>
+            <a:pPr algn="ctr"/>
+            <a:r>
+              <a:rPr lang="en-US" altLang="zh-CN" sz="1000">
+                <a:latin typeface="+mj-ea"/>
+                <a:ea typeface="+mj-ea"/>
+              </a:rPr>
+              <a:t>Assets</a:t>
+            </a:r>
+            <a:endParaRPr lang="en-US" altLang="zh-CN" sz="1000">
+              <a:latin typeface="+mj-ea"/>
+              <a:ea typeface="+mj-ea"/>
+            </a:endParaRPr>
+          </a:p>
+        </p:txBody>
+      </p:sp>
+      <p:sp>
+        <p:nvSpPr>
+          <p:cNvPr id="15" name="矩形 14"/>
+          <p:cNvSpPr/>
+          <p:nvPr/>
+        </p:nvSpPr>
+        <p:spPr>
+          <a:xfrm>
+            <a:off x="913130" y="2277745"/>
+            <a:ext cx="1093470" cy="692150"/>
+          </a:xfrm>
+          <a:prstGeom prst="rect">
+            <a:avLst/>
+          </a:prstGeom>
+          <a:noFill/>
+          <a:ln>
+            <a:noFill/>
+          </a:ln>
+        </p:spPr>
+        <p:style>
+          <a:lnRef idx="2">
+            <a:schemeClr val="accent1">
+              <a:lumMod val="75000"/>
+            </a:schemeClr>
+          </a:lnRef>
+          <a:fillRef idx="1">
+            <a:schemeClr val="accent1"/>
+          </a:fillRef>
+          <a:effectRef idx="0">
+            <a:srgbClr val="FFFFFF"/>
+          </a:effectRef>
+          <a:fontRef idx="minor">
+            <a:schemeClr val="lt1"/>
+          </a:fontRef>
+        </p:style>
+        <p:txBody>
+          <a:bodyPr rtlCol="0" anchor="ctr"/>
+          <a:p>
+            <a:pPr algn="ctr"/>
+            <a:r>
+              <a:rPr lang="en-US" altLang="zh-CN" sz="1000">
+                <a:latin typeface="+mj-ea"/>
+                <a:ea typeface="+mj-ea"/>
+                <a:sym typeface="+mn-ea"/>
+              </a:rPr>
+              <a:t>Design</a:t>
+            </a:r>
+            <a:endParaRPr lang="en-US" altLang="zh-CN" sz="1000">
+              <a:latin typeface="+mj-ea"/>
+              <a:ea typeface="+mj-ea"/>
+            </a:endParaRPr>
+          </a:p>
+        </p:txBody>
+      </p:sp>
+      <p:sp>
+        <p:nvSpPr>
+          <p:cNvPr id="16" name="矩形 15"/>
+          <p:cNvSpPr/>
+          <p:nvPr/>
+        </p:nvSpPr>
+        <p:spPr>
+          <a:xfrm>
+            <a:off x="913130" y="3150235"/>
+            <a:ext cx="1093470" cy="692150"/>
+          </a:xfrm>
+          <a:prstGeom prst="rect">
+            <a:avLst/>
+          </a:prstGeom>
+          <a:noFill/>
+          <a:ln>
+            <a:noFill/>
+          </a:ln>
+        </p:spPr>
+        <p:style>
+          <a:lnRef idx="2">
+            <a:schemeClr val="accent1">
+              <a:lumMod val="75000"/>
+            </a:schemeClr>
+          </a:lnRef>
+          <a:fillRef idx="1">
+            <a:schemeClr val="accent1"/>
+          </a:fillRef>
+          <a:effectRef idx="0">
+            <a:srgbClr val="FFFFFF"/>
+          </a:effectRef>
+          <a:fontRef idx="minor">
+            <a:schemeClr val="lt1"/>
+          </a:fontRef>
+        </p:style>
+        <p:txBody>
+          <a:bodyPr rtlCol="0" anchor="ctr"/>
+          <a:p>
+            <a:pPr algn="ctr"/>
+            <a:r>
+              <a:rPr lang="en-US" altLang="zh-CN" sz="1000">
+                <a:latin typeface="+mj-ea"/>
+                <a:ea typeface="+mj-ea"/>
+                <a:sym typeface="+mn-ea"/>
+              </a:rPr>
+              <a:t>Tasks</a:t>
+            </a:r>
+            <a:endParaRPr lang="en-US" altLang="zh-CN" sz="1000">
+              <a:latin typeface="+mj-ea"/>
+              <a:ea typeface="+mj-ea"/>
+            </a:endParaRPr>
+          </a:p>
+        </p:txBody>
+      </p:sp>
+      <p:sp>
+        <p:nvSpPr>
+          <p:cNvPr id="17" name="矩形 16"/>
+          <p:cNvSpPr/>
+          <p:nvPr/>
+        </p:nvSpPr>
+        <p:spPr>
+          <a:xfrm>
+            <a:off x="913130" y="4022725"/>
+            <a:ext cx="1093470" cy="692150"/>
+          </a:xfrm>
+          <a:prstGeom prst="rect">
+            <a:avLst/>
+          </a:prstGeom>
+          <a:solidFill>
+            <a:schemeClr val="bg1">
+              <a:lumMod val="65000"/>
+            </a:schemeClr>
+          </a:solidFill>
+          <a:ln>
+            <a:noFill/>
+          </a:ln>
+        </p:spPr>
+        <p:style>
+          <a:lnRef idx="2">
+            <a:schemeClr val="accent1">
+              <a:lumMod val="75000"/>
+            </a:schemeClr>
+          </a:lnRef>
+          <a:fillRef idx="1">
+            <a:schemeClr val="accent1"/>
+          </a:fillRef>
+          <a:effectRef idx="0">
+            <a:srgbClr val="FFFFFF"/>
+          </a:effectRef>
+          <a:fontRef idx="minor">
+            <a:schemeClr val="lt1"/>
+          </a:fontRef>
+        </p:style>
+        <p:txBody>
+          <a:bodyPr rtlCol="0" anchor="ctr"/>
+          <a:p>
+            <a:pPr algn="ctr"/>
+            <a:r>
+              <a:rPr lang="en-US" altLang="zh-CN" sz="1000">
+                <a:latin typeface="+mj-ea"/>
+                <a:ea typeface="+mj-ea"/>
+              </a:rPr>
+              <a:t>Settings</a:t>
+            </a:r>
+            <a:endParaRPr lang="en-US" altLang="zh-CN" sz="1000">
+              <a:latin typeface="+mj-ea"/>
+              <a:ea typeface="+mj-ea"/>
+            </a:endParaRPr>
+          </a:p>
+        </p:txBody>
+      </p:sp>
+      <p:pic>
+        <p:nvPicPr>
+          <p:cNvPr id="3" name="图片 2"/>
+          <p:cNvPicPr>
+            <a:picLocks noChangeAspect="1"/>
+          </p:cNvPicPr>
+          <p:nvPr/>
+        </p:nvPicPr>
+        <p:blipFill>
+          <a:blip r:embed="rId2"/>
+          <a:srcRect l="782" t="4341" r="526" b="2424"/>
+          <a:stretch>
+            <a:fillRect/>
+          </a:stretch>
+        </p:blipFill>
+        <p:spPr>
+          <a:xfrm>
+            <a:off x="2202180" y="1405255"/>
+            <a:ext cx="8816340" cy="4664075"/>
+          </a:xfrm>
+          <a:prstGeom prst="rect">
+            <a:avLst/>
+          </a:prstGeom>
+        </p:spPr>
+      </p:pic>
     </p:spTree>
   </p:cSld>
   <p:clrMapOvr>
@@ -7587,9 +10833,69 @@
 </p:tagLst>
 </file>
 
+<file path=ppt/tags/tag37.xml><?xml version="1.0" encoding="utf-8"?>
+<p:tagLst xmlns:p="http://schemas.openxmlformats.org/presentationml/2006/main">
+  <p:tag name="KSO_WM_DIAGRAM_VIRTUALLY_FRAME" val="{&quot;height&quot;:123.2,&quot;left&quot;:71.9,&quot;top&quot;:110.65,&quot;width&quot;:768.35}"/>
+</p:tagLst>
+</file>
+
+<file path=ppt/tags/tag38.xml><?xml version="1.0" encoding="utf-8"?>
+<p:tagLst xmlns:p="http://schemas.openxmlformats.org/presentationml/2006/main">
+  <p:tag name="KSO_WM_DIAGRAM_VIRTUALLY_FRAME" val="{&quot;height&quot;:123.2,&quot;left&quot;:71.9,&quot;top&quot;:110.65,&quot;width&quot;:768.35}"/>
+</p:tagLst>
+</file>
+
+<file path=ppt/tags/tag39.xml><?xml version="1.0" encoding="utf-8"?>
+<p:tagLst xmlns:p="http://schemas.openxmlformats.org/presentationml/2006/main">
+  <p:tag name="KSO_WM_DIAGRAM_VIRTUALLY_FRAME" val="{&quot;height&quot;:123.2,&quot;left&quot;:71.9,&quot;top&quot;:110.65,&quot;width&quot;:768.35}"/>
+</p:tagLst>
+</file>
+
 <file path=ppt/tags/tag4.xml><?xml version="1.0" encoding="utf-8"?>
 <p:tagLst xmlns:p="http://schemas.openxmlformats.org/presentationml/2006/main">
   <p:tag name="KSO_WM_DIAGRAM_VIRTUALLY_FRAME" val="{&quot;height&quot;:118.05,&quot;left&quot;:196,&quot;top&quot;:146.4,&quot;width&quot;:200.1}"/>
+</p:tagLst>
+</file>
+
+<file path=ppt/tags/tag40.xml><?xml version="1.0" encoding="utf-8"?>
+<p:tagLst xmlns:p="http://schemas.openxmlformats.org/presentationml/2006/main">
+  <p:tag name="KSO_WM_DIAGRAM_VIRTUALLY_FRAME" val="{&quot;height&quot;:123.2,&quot;left&quot;:71.9,&quot;top&quot;:110.65,&quot;width&quot;:768.35}"/>
+</p:tagLst>
+</file>
+
+<file path=ppt/tags/tag41.xml><?xml version="1.0" encoding="utf-8"?>
+<p:tagLst xmlns:p="http://schemas.openxmlformats.org/presentationml/2006/main">
+  <p:tag name="KSO_WM_DIAGRAM_VIRTUALLY_FRAME" val="{&quot;height&quot;:123.2,&quot;left&quot;:71.9,&quot;top&quot;:110.65,&quot;width&quot;:768.35}"/>
+</p:tagLst>
+</file>
+
+<file path=ppt/tags/tag42.xml><?xml version="1.0" encoding="utf-8"?>
+<p:tagLst xmlns:p="http://schemas.openxmlformats.org/presentationml/2006/main">
+  <p:tag name="KSO_WM_DIAGRAM_VIRTUALLY_FRAME" val="{&quot;height&quot;:123.2,&quot;left&quot;:71.9,&quot;top&quot;:110.65,&quot;width&quot;:768.35}"/>
+</p:tagLst>
+</file>
+
+<file path=ppt/tags/tag43.xml><?xml version="1.0" encoding="utf-8"?>
+<p:tagLst xmlns:p="http://schemas.openxmlformats.org/presentationml/2006/main">
+  <p:tag name="KSO_WM_DIAGRAM_VIRTUALLY_FRAME" val="{&quot;height&quot;:123.2,&quot;left&quot;:71.9,&quot;top&quot;:110.65,&quot;width&quot;:768.35}"/>
+</p:tagLst>
+</file>
+
+<file path=ppt/tags/tag44.xml><?xml version="1.0" encoding="utf-8"?>
+<p:tagLst xmlns:p="http://schemas.openxmlformats.org/presentationml/2006/main">
+  <p:tag name="KSO_WM_DIAGRAM_VIRTUALLY_FRAME" val="{&quot;height&quot;:123.2,&quot;left&quot;:71.9,&quot;top&quot;:110.65,&quot;width&quot;:768.35}"/>
+</p:tagLst>
+</file>
+
+<file path=ppt/tags/tag45.xml><?xml version="1.0" encoding="utf-8"?>
+<p:tagLst xmlns:p="http://schemas.openxmlformats.org/presentationml/2006/main">
+  <p:tag name="KSO_WM_DIAGRAM_VIRTUALLY_FRAME" val="{&quot;height&quot;:123.2,&quot;left&quot;:71.9,&quot;top&quot;:110.65,&quot;width&quot;:768.35}"/>
+</p:tagLst>
+</file>
+
+<file path=ppt/tags/tag46.xml><?xml version="1.0" encoding="utf-8"?>
+<p:tagLst xmlns:p="http://schemas.openxmlformats.org/presentationml/2006/main">
+  <p:tag name="KSO_WM_DIAGRAM_VIRTUALLY_FRAME" val="{&quot;height&quot;:123.2,&quot;left&quot;:71.9,&quot;top&quot;:110.65,&quot;width&quot;:768.35}"/>
 </p:tagLst>
 </file>
 
